--- a/icon.pptx
+++ b/icon.pptx
@@ -243,7 +243,7 @@
           <a:p>
             <a:fld id="{BE758C31-3EEB-4FE5-8015-AD225EFEF5CD}" type="datetimeFigureOut">
               <a:rPr lang="ko-KR" altLang="en-US" smtClean="0"/>
-              <a:t>2020-04-25</a:t>
+              <a:t>2020-05-06</a:t>
             </a:fld>
             <a:endParaRPr lang="ko-KR" altLang="en-US"/>
           </a:p>
@@ -413,7 +413,7 @@
           <a:p>
             <a:fld id="{BE758C31-3EEB-4FE5-8015-AD225EFEF5CD}" type="datetimeFigureOut">
               <a:rPr lang="ko-KR" altLang="en-US" smtClean="0"/>
-              <a:t>2020-04-25</a:t>
+              <a:t>2020-05-06</a:t>
             </a:fld>
             <a:endParaRPr lang="ko-KR" altLang="en-US"/>
           </a:p>
@@ -593,7 +593,7 @@
           <a:p>
             <a:fld id="{BE758C31-3EEB-4FE5-8015-AD225EFEF5CD}" type="datetimeFigureOut">
               <a:rPr lang="ko-KR" altLang="en-US" smtClean="0"/>
-              <a:t>2020-04-25</a:t>
+              <a:t>2020-05-06</a:t>
             </a:fld>
             <a:endParaRPr lang="ko-KR" altLang="en-US"/>
           </a:p>
@@ -763,7 +763,7 @@
           <a:p>
             <a:fld id="{BE758C31-3EEB-4FE5-8015-AD225EFEF5CD}" type="datetimeFigureOut">
               <a:rPr lang="ko-KR" altLang="en-US" smtClean="0"/>
-              <a:t>2020-04-25</a:t>
+              <a:t>2020-05-06</a:t>
             </a:fld>
             <a:endParaRPr lang="ko-KR" altLang="en-US"/>
           </a:p>
@@ -1009,7 +1009,7 @@
           <a:p>
             <a:fld id="{BE758C31-3EEB-4FE5-8015-AD225EFEF5CD}" type="datetimeFigureOut">
               <a:rPr lang="ko-KR" altLang="en-US" smtClean="0"/>
-              <a:t>2020-04-25</a:t>
+              <a:t>2020-05-06</a:t>
             </a:fld>
             <a:endParaRPr lang="ko-KR" altLang="en-US"/>
           </a:p>
@@ -1241,7 +1241,7 @@
           <a:p>
             <a:fld id="{BE758C31-3EEB-4FE5-8015-AD225EFEF5CD}" type="datetimeFigureOut">
               <a:rPr lang="ko-KR" altLang="en-US" smtClean="0"/>
-              <a:t>2020-04-25</a:t>
+              <a:t>2020-05-06</a:t>
             </a:fld>
             <a:endParaRPr lang="ko-KR" altLang="en-US"/>
           </a:p>
@@ -1608,7 +1608,7 @@
           <a:p>
             <a:fld id="{BE758C31-3EEB-4FE5-8015-AD225EFEF5CD}" type="datetimeFigureOut">
               <a:rPr lang="ko-KR" altLang="en-US" smtClean="0"/>
-              <a:t>2020-04-25</a:t>
+              <a:t>2020-05-06</a:t>
             </a:fld>
             <a:endParaRPr lang="ko-KR" altLang="en-US"/>
           </a:p>
@@ -1726,7 +1726,7 @@
           <a:p>
             <a:fld id="{BE758C31-3EEB-4FE5-8015-AD225EFEF5CD}" type="datetimeFigureOut">
               <a:rPr lang="ko-KR" altLang="en-US" smtClean="0"/>
-              <a:t>2020-04-25</a:t>
+              <a:t>2020-05-06</a:t>
             </a:fld>
             <a:endParaRPr lang="ko-KR" altLang="en-US"/>
           </a:p>
@@ -1821,7 +1821,7 @@
           <a:p>
             <a:fld id="{BE758C31-3EEB-4FE5-8015-AD225EFEF5CD}" type="datetimeFigureOut">
               <a:rPr lang="ko-KR" altLang="en-US" smtClean="0"/>
-              <a:t>2020-04-25</a:t>
+              <a:t>2020-05-06</a:t>
             </a:fld>
             <a:endParaRPr lang="ko-KR" altLang="en-US"/>
           </a:p>
@@ -2098,7 +2098,7 @@
           <a:p>
             <a:fld id="{BE758C31-3EEB-4FE5-8015-AD225EFEF5CD}" type="datetimeFigureOut">
               <a:rPr lang="ko-KR" altLang="en-US" smtClean="0"/>
-              <a:t>2020-04-25</a:t>
+              <a:t>2020-05-06</a:t>
             </a:fld>
             <a:endParaRPr lang="ko-KR" altLang="en-US"/>
           </a:p>
@@ -2351,7 +2351,7 @@
           <a:p>
             <a:fld id="{BE758C31-3EEB-4FE5-8015-AD225EFEF5CD}" type="datetimeFigureOut">
               <a:rPr lang="ko-KR" altLang="en-US" smtClean="0"/>
-              <a:t>2020-04-25</a:t>
+              <a:t>2020-05-06</a:t>
             </a:fld>
             <a:endParaRPr lang="ko-KR" altLang="en-US"/>
           </a:p>
@@ -2564,7 +2564,7 @@
           <a:p>
             <a:fld id="{BE758C31-3EEB-4FE5-8015-AD225EFEF5CD}" type="datetimeFigureOut">
               <a:rPr lang="ko-KR" altLang="en-US" smtClean="0"/>
-              <a:t>2020-04-25</a:t>
+              <a:t>2020-05-06</a:t>
             </a:fld>
             <a:endParaRPr lang="ko-KR" altLang="en-US"/>
           </a:p>
@@ -2969,139 +2969,16 @@
           <a:chExt cx="0" cy="0"/>
         </a:xfrm>
       </p:grpSpPr>
-      <p:sp>
-        <p:nvSpPr>
-          <p:cNvPr id="34" name="직사각형 33"/>
-          <p:cNvSpPr/>
-          <p:nvPr/>
-        </p:nvSpPr>
-        <p:spPr>
-          <a:xfrm>
-            <a:off x="4994031" y="272540"/>
-            <a:ext cx="257897" cy="795726"/>
-          </a:xfrm>
-          <a:prstGeom prst="rect">
-            <a:avLst/>
-          </a:prstGeom>
-          <a:noFill/>
-        </p:spPr>
-        <p:style>
-          <a:lnRef idx="2">
-            <a:schemeClr val="accent1">
-              <a:shade val="50000"/>
-            </a:schemeClr>
-          </a:lnRef>
-          <a:fillRef idx="1">
-            <a:schemeClr val="accent1"/>
-          </a:fillRef>
-          <a:effectRef idx="0">
-            <a:schemeClr val="accent1"/>
-          </a:effectRef>
-          <a:fontRef idx="minor">
-            <a:schemeClr val="lt1"/>
-          </a:fontRef>
-        </p:style>
-        <p:txBody>
-          <a:bodyPr rtlCol="0" anchor="ctr"/>
-          <a:lstStyle/>
-          <a:p>
-            <a:pPr algn="ctr"/>
-            <a:endParaRPr lang="ko-KR" altLang="en-US"/>
-          </a:p>
-        </p:txBody>
-      </p:sp>
-      <p:sp>
-        <p:nvSpPr>
-          <p:cNvPr id="36" name="직사각형 35"/>
-          <p:cNvSpPr/>
-          <p:nvPr/>
-        </p:nvSpPr>
-        <p:spPr>
-          <a:xfrm>
-            <a:off x="5269528" y="272540"/>
-            <a:ext cx="257897" cy="795726"/>
-          </a:xfrm>
-          <a:prstGeom prst="rect">
-            <a:avLst/>
-          </a:prstGeom>
-          <a:noFill/>
-        </p:spPr>
-        <p:style>
-          <a:lnRef idx="2">
-            <a:schemeClr val="accent1">
-              <a:shade val="50000"/>
-            </a:schemeClr>
-          </a:lnRef>
-          <a:fillRef idx="1">
-            <a:schemeClr val="accent1"/>
-          </a:fillRef>
-          <a:effectRef idx="0">
-            <a:schemeClr val="accent1"/>
-          </a:effectRef>
-          <a:fontRef idx="minor">
-            <a:schemeClr val="lt1"/>
-          </a:fontRef>
-        </p:style>
-        <p:txBody>
-          <a:bodyPr rtlCol="0" anchor="ctr"/>
-          <a:lstStyle/>
-          <a:p>
-            <a:pPr algn="ctr"/>
-            <a:endParaRPr lang="ko-KR" altLang="en-US"/>
-          </a:p>
-        </p:txBody>
-      </p:sp>
-      <p:sp>
-        <p:nvSpPr>
-          <p:cNvPr id="37" name="직사각형 36"/>
-          <p:cNvSpPr/>
-          <p:nvPr/>
-        </p:nvSpPr>
-        <p:spPr>
-          <a:xfrm>
-            <a:off x="5545008" y="272540"/>
-            <a:ext cx="257897" cy="795726"/>
-          </a:xfrm>
-          <a:prstGeom prst="rect">
-            <a:avLst/>
-          </a:prstGeom>
-          <a:noFill/>
-        </p:spPr>
-        <p:style>
-          <a:lnRef idx="2">
-            <a:schemeClr val="accent1">
-              <a:shade val="50000"/>
-            </a:schemeClr>
-          </a:lnRef>
-          <a:fillRef idx="1">
-            <a:schemeClr val="accent1"/>
-          </a:fillRef>
-          <a:effectRef idx="0">
-            <a:schemeClr val="accent1"/>
-          </a:effectRef>
-          <a:fontRef idx="minor">
-            <a:schemeClr val="lt1"/>
-          </a:fontRef>
-        </p:style>
-        <p:txBody>
-          <a:bodyPr rtlCol="0" anchor="ctr"/>
-          <a:lstStyle/>
-          <a:p>
-            <a:pPr algn="ctr"/>
-            <a:endParaRPr lang="ko-KR" altLang="en-US"/>
-          </a:p>
-        </p:txBody>
-      </p:sp>
       <p:pic>
         <p:nvPicPr>
-          <p:cNvPr id="4" name="그림 3"/>
+          <p:cNvPr id="116" name="그림 115"/>
           <p:cNvPicPr>
             <a:picLocks noChangeAspect="1"/>
           </p:cNvPicPr>
           <p:nvPr/>
         </p:nvPicPr>
         <p:blipFill>
-          <a:blip r:embed="rId2">
+          <a:blip r:embed="rId2" cstate="print">
             <a:extLst>
               <a:ext uri="{28A0092B-C50C-407E-A947-70E740481C1C}">
                 <a14:useLocalDpi xmlns:a14="http://schemas.microsoft.com/office/drawing/2010/main" val="0"/>
@@ -3114,8 +2991,8 @@
         </p:blipFill>
         <p:spPr>
           <a:xfrm>
-            <a:off x="375136" y="337038"/>
-            <a:ext cx="381002" cy="381002"/>
+            <a:off x="4948715" y="1630383"/>
+            <a:ext cx="750171" cy="562627"/>
           </a:xfrm>
           <a:prstGeom prst="rect">
             <a:avLst/>
@@ -3124,7 +3001,270 @@
       </p:pic>
       <p:pic>
         <p:nvPicPr>
-          <p:cNvPr id="5" name="그림 4"/>
+          <p:cNvPr id="113" name="그림 112"/>
+          <p:cNvPicPr>
+            <a:picLocks noChangeAspect="1"/>
+          </p:cNvPicPr>
+          <p:nvPr/>
+        </p:nvPicPr>
+        <p:blipFill>
+          <a:blip r:embed="rId2" cstate="print">
+            <a:extLst>
+              <a:ext uri="{28A0092B-C50C-407E-A947-70E740481C1C}">
+                <a14:useLocalDpi xmlns:a14="http://schemas.microsoft.com/office/drawing/2010/main" val="0"/>
+              </a:ext>
+            </a:extLst>
+          </a:blip>
+          <a:stretch>
+            <a:fillRect/>
+          </a:stretch>
+        </p:blipFill>
+        <p:spPr>
+          <a:xfrm>
+            <a:off x="3795456" y="1630383"/>
+            <a:ext cx="750171" cy="562627"/>
+          </a:xfrm>
+          <a:prstGeom prst="rect">
+            <a:avLst/>
+          </a:prstGeom>
+        </p:spPr>
+      </p:pic>
+      <p:pic>
+        <p:nvPicPr>
+          <p:cNvPr id="110" name="그림 109"/>
+          <p:cNvPicPr>
+            <a:picLocks noChangeAspect="1"/>
+          </p:cNvPicPr>
+          <p:nvPr/>
+        </p:nvPicPr>
+        <p:blipFill>
+          <a:blip r:embed="rId2" cstate="print">
+            <a:extLst>
+              <a:ext uri="{28A0092B-C50C-407E-A947-70E740481C1C}">
+                <a14:useLocalDpi xmlns:a14="http://schemas.microsoft.com/office/drawing/2010/main" val="0"/>
+              </a:ext>
+            </a:extLst>
+          </a:blip>
+          <a:stretch>
+            <a:fillRect/>
+          </a:stretch>
+        </p:blipFill>
+        <p:spPr>
+          <a:xfrm>
+            <a:off x="2642197" y="1630383"/>
+            <a:ext cx="750171" cy="562627"/>
+          </a:xfrm>
+          <a:prstGeom prst="rect">
+            <a:avLst/>
+          </a:prstGeom>
+        </p:spPr>
+      </p:pic>
+      <p:cxnSp>
+        <p:nvCxnSpPr>
+          <p:cNvPr id="74" name="꺾인 연결선 73"/>
+          <p:cNvCxnSpPr/>
+          <p:nvPr/>
+        </p:nvCxnSpPr>
+        <p:spPr>
+          <a:xfrm rot="5400000" flipH="1" flipV="1">
+            <a:off x="9969830" y="652149"/>
+            <a:ext cx="274686" cy="321471"/>
+          </a:xfrm>
+          <a:prstGeom prst="bentConnector3">
+            <a:avLst/>
+          </a:prstGeom>
+          <a:ln w="19050">
+            <a:solidFill>
+              <a:schemeClr val="accent5">
+                <a:lumMod val="75000"/>
+              </a:schemeClr>
+            </a:solidFill>
+          </a:ln>
+          <a:scene3d>
+            <a:camera prst="orthographicFront">
+              <a:rot lat="0" lon="10800000" rev="0"/>
+            </a:camera>
+            <a:lightRig rig="threePt" dir="t"/>
+          </a:scene3d>
+        </p:spPr>
+        <p:style>
+          <a:lnRef idx="1">
+            <a:schemeClr val="accent1"/>
+          </a:lnRef>
+          <a:fillRef idx="0">
+            <a:schemeClr val="accent1"/>
+          </a:fillRef>
+          <a:effectRef idx="0">
+            <a:schemeClr val="accent1"/>
+          </a:effectRef>
+          <a:fontRef idx="minor">
+            <a:schemeClr val="tx1"/>
+          </a:fontRef>
+        </p:style>
+      </p:cxnSp>
+      <p:cxnSp>
+        <p:nvCxnSpPr>
+          <p:cNvPr id="72" name="꺾인 연결선 71"/>
+          <p:cNvCxnSpPr/>
+          <p:nvPr/>
+        </p:nvCxnSpPr>
+        <p:spPr>
+          <a:xfrm rot="5400000" flipH="1" flipV="1">
+            <a:off x="9629540" y="648977"/>
+            <a:ext cx="274686" cy="321471"/>
+          </a:xfrm>
+          <a:prstGeom prst="bentConnector3">
+            <a:avLst/>
+          </a:prstGeom>
+          <a:ln w="19050">
+            <a:solidFill>
+              <a:schemeClr val="accent5">
+                <a:lumMod val="75000"/>
+              </a:schemeClr>
+            </a:solidFill>
+          </a:ln>
+        </p:spPr>
+        <p:style>
+          <a:lnRef idx="1">
+            <a:schemeClr val="accent1"/>
+          </a:lnRef>
+          <a:fillRef idx="0">
+            <a:schemeClr val="accent1"/>
+          </a:fillRef>
+          <a:effectRef idx="0">
+            <a:schemeClr val="accent1"/>
+          </a:effectRef>
+          <a:fontRef idx="minor">
+            <a:schemeClr val="tx1"/>
+          </a:fontRef>
+        </p:style>
+      </p:cxnSp>
+      <p:sp>
+        <p:nvSpPr>
+          <p:cNvPr id="34" name="직사각형 33"/>
+          <p:cNvSpPr/>
+          <p:nvPr/>
+        </p:nvSpPr>
+        <p:spPr>
+          <a:xfrm>
+            <a:off x="4994031" y="272540"/>
+            <a:ext cx="257897" cy="826498"/>
+          </a:xfrm>
+          <a:prstGeom prst="rect">
+            <a:avLst/>
+          </a:prstGeom>
+          <a:noFill/>
+        </p:spPr>
+        <p:style>
+          <a:lnRef idx="2">
+            <a:schemeClr val="accent1">
+              <a:shade val="50000"/>
+            </a:schemeClr>
+          </a:lnRef>
+          <a:fillRef idx="1">
+            <a:schemeClr val="accent1"/>
+          </a:fillRef>
+          <a:effectRef idx="0">
+            <a:schemeClr val="accent1"/>
+          </a:effectRef>
+          <a:fontRef idx="minor">
+            <a:schemeClr val="lt1"/>
+          </a:fontRef>
+        </p:style>
+        <p:txBody>
+          <a:bodyPr rtlCol="0" anchor="ctr"/>
+          <a:lstStyle/>
+          <a:p>
+            <a:pPr algn="ctr"/>
+            <a:endParaRPr lang="ko-KR" altLang="en-US"/>
+          </a:p>
+        </p:txBody>
+      </p:sp>
+      <p:sp>
+        <p:nvSpPr>
+          <p:cNvPr id="36" name="직사각형 35"/>
+          <p:cNvSpPr/>
+          <p:nvPr/>
+        </p:nvSpPr>
+        <p:spPr>
+          <a:xfrm>
+            <a:off x="5269528" y="272540"/>
+            <a:ext cx="257897" cy="826498"/>
+          </a:xfrm>
+          <a:prstGeom prst="rect">
+            <a:avLst/>
+          </a:prstGeom>
+          <a:noFill/>
+        </p:spPr>
+        <p:style>
+          <a:lnRef idx="2">
+            <a:schemeClr val="accent1">
+              <a:shade val="50000"/>
+            </a:schemeClr>
+          </a:lnRef>
+          <a:fillRef idx="1">
+            <a:schemeClr val="accent1"/>
+          </a:fillRef>
+          <a:effectRef idx="0">
+            <a:schemeClr val="accent1"/>
+          </a:effectRef>
+          <a:fontRef idx="minor">
+            <a:schemeClr val="lt1"/>
+          </a:fontRef>
+        </p:style>
+        <p:txBody>
+          <a:bodyPr rtlCol="0" anchor="ctr"/>
+          <a:lstStyle/>
+          <a:p>
+            <a:pPr algn="ctr"/>
+            <a:endParaRPr lang="ko-KR" altLang="en-US"/>
+          </a:p>
+        </p:txBody>
+      </p:sp>
+      <p:sp>
+        <p:nvSpPr>
+          <p:cNvPr id="37" name="직사각형 36"/>
+          <p:cNvSpPr/>
+          <p:nvPr/>
+        </p:nvSpPr>
+        <p:spPr>
+          <a:xfrm>
+            <a:off x="5545008" y="272540"/>
+            <a:ext cx="257897" cy="826498"/>
+          </a:xfrm>
+          <a:prstGeom prst="rect">
+            <a:avLst/>
+          </a:prstGeom>
+          <a:noFill/>
+        </p:spPr>
+        <p:style>
+          <a:lnRef idx="2">
+            <a:schemeClr val="accent1">
+              <a:shade val="50000"/>
+            </a:schemeClr>
+          </a:lnRef>
+          <a:fillRef idx="1">
+            <a:schemeClr val="accent1"/>
+          </a:fillRef>
+          <a:effectRef idx="0">
+            <a:schemeClr val="accent1"/>
+          </a:effectRef>
+          <a:fontRef idx="minor">
+            <a:schemeClr val="lt1"/>
+          </a:fontRef>
+        </p:style>
+        <p:txBody>
+          <a:bodyPr rtlCol="0" anchor="ctr"/>
+          <a:lstStyle/>
+          <a:p>
+            <a:pPr algn="ctr"/>
+            <a:endParaRPr lang="ko-KR" altLang="en-US"/>
+          </a:p>
+        </p:txBody>
+      </p:sp>
+      <p:pic>
+        <p:nvPicPr>
+          <p:cNvPr id="4" name="그림 3"/>
           <p:cNvPicPr>
             <a:picLocks noChangeAspect="1"/>
           </p:cNvPicPr>
@@ -3144,6 +3284,36 @@
         </p:blipFill>
         <p:spPr>
           <a:xfrm>
+            <a:off x="375136" y="337038"/>
+            <a:ext cx="381002" cy="381002"/>
+          </a:xfrm>
+          <a:prstGeom prst="rect">
+            <a:avLst/>
+          </a:prstGeom>
+        </p:spPr>
+      </p:pic>
+      <p:pic>
+        <p:nvPicPr>
+          <p:cNvPr id="5" name="그림 4"/>
+          <p:cNvPicPr>
+            <a:picLocks noChangeAspect="1"/>
+          </p:cNvPicPr>
+          <p:nvPr/>
+        </p:nvPicPr>
+        <p:blipFill>
+          <a:blip r:embed="rId4">
+            <a:extLst>
+              <a:ext uri="{28A0092B-C50C-407E-A947-70E740481C1C}">
+                <a14:useLocalDpi xmlns:a14="http://schemas.microsoft.com/office/drawing/2010/main" val="0"/>
+              </a:ext>
+            </a:extLst>
+          </a:blip>
+          <a:stretch>
+            <a:fillRect/>
+          </a:stretch>
+        </p:blipFill>
+        <p:spPr>
+          <a:xfrm>
             <a:off x="756138" y="665285"/>
             <a:ext cx="416169" cy="416169"/>
           </a:xfrm>
@@ -3280,7 +3450,7 @@
           <p:nvPr/>
         </p:nvPicPr>
         <p:blipFill>
-          <a:blip r:embed="rId4"/>
+          <a:blip r:embed="rId5"/>
           <a:stretch>
             <a:fillRect/>
           </a:stretch>
@@ -3380,239 +3550,6 @@
       <p:pic>
         <p:nvPicPr>
           <p:cNvPr id="3" name="그림 2"/>
-          <p:cNvPicPr>
-            <a:picLocks noChangeAspect="1"/>
-          </p:cNvPicPr>
-          <p:nvPr/>
-        </p:nvPicPr>
-        <p:blipFill>
-          <a:blip r:embed="rId5">
-            <a:extLst>
-              <a:ext uri="{28A0092B-C50C-407E-A947-70E740481C1C}">
-                <a14:useLocalDpi xmlns:a14="http://schemas.microsoft.com/office/drawing/2010/main" val="0"/>
-              </a:ext>
-            </a:extLst>
-          </a:blip>
-          <a:stretch>
-            <a:fillRect/>
-          </a:stretch>
-        </p:blipFill>
-        <p:spPr>
-          <a:xfrm>
-            <a:off x="2643553" y="247283"/>
-            <a:ext cx="293077" cy="293077"/>
-          </a:xfrm>
-          <a:prstGeom prst="rect">
-            <a:avLst/>
-          </a:prstGeom>
-        </p:spPr>
-      </p:pic>
-      <p:pic>
-        <p:nvPicPr>
-          <p:cNvPr id="12" name="그림 11"/>
-          <p:cNvPicPr>
-            <a:picLocks noChangeAspect="1"/>
-          </p:cNvPicPr>
-          <p:nvPr/>
-        </p:nvPicPr>
-        <p:blipFill>
-          <a:blip r:embed="rId5">
-            <a:extLst>
-              <a:ext uri="{28A0092B-C50C-407E-A947-70E740481C1C}">
-                <a14:useLocalDpi xmlns:a14="http://schemas.microsoft.com/office/drawing/2010/main" val="0"/>
-              </a:ext>
-            </a:extLst>
-          </a:blip>
-          <a:stretch>
-            <a:fillRect/>
-          </a:stretch>
-        </p:blipFill>
-        <p:spPr>
-          <a:xfrm>
-            <a:off x="2643553" y="509955"/>
-            <a:ext cx="293077" cy="293077"/>
-          </a:xfrm>
-          <a:prstGeom prst="rect">
-            <a:avLst/>
-          </a:prstGeom>
-        </p:spPr>
-      </p:pic>
-      <p:pic>
-        <p:nvPicPr>
-          <p:cNvPr id="13" name="그림 12"/>
-          <p:cNvPicPr>
-            <a:picLocks noChangeAspect="1"/>
-          </p:cNvPicPr>
-          <p:nvPr/>
-        </p:nvPicPr>
-        <p:blipFill>
-          <a:blip r:embed="rId5">
-            <a:extLst>
-              <a:ext uri="{28A0092B-C50C-407E-A947-70E740481C1C}">
-                <a14:useLocalDpi xmlns:a14="http://schemas.microsoft.com/office/drawing/2010/main" val="0"/>
-              </a:ext>
-            </a:extLst>
-          </a:blip>
-          <a:stretch>
-            <a:fillRect/>
-          </a:stretch>
-        </p:blipFill>
-        <p:spPr>
-          <a:xfrm>
-            <a:off x="2643553" y="775189"/>
-            <a:ext cx="293077" cy="293077"/>
-          </a:xfrm>
-          <a:prstGeom prst="rect">
-            <a:avLst/>
-          </a:prstGeom>
-        </p:spPr>
-      </p:pic>
-      <p:pic>
-        <p:nvPicPr>
-          <p:cNvPr id="16" name="그림 15"/>
-          <p:cNvPicPr>
-            <a:picLocks noChangeAspect="1"/>
-          </p:cNvPicPr>
-          <p:nvPr/>
-        </p:nvPicPr>
-        <p:blipFill>
-          <a:blip r:embed="rId5">
-            <a:extLst>
-              <a:ext uri="{28A0092B-C50C-407E-A947-70E740481C1C}">
-                <a14:useLocalDpi xmlns:a14="http://schemas.microsoft.com/office/drawing/2010/main" val="0"/>
-              </a:ext>
-            </a:extLst>
-          </a:blip>
-          <a:stretch>
-            <a:fillRect/>
-          </a:stretch>
-        </p:blipFill>
-        <p:spPr>
-          <a:xfrm>
-            <a:off x="2992312" y="247283"/>
-            <a:ext cx="293077" cy="293077"/>
-          </a:xfrm>
-          <a:prstGeom prst="rect">
-            <a:avLst/>
-          </a:prstGeom>
-        </p:spPr>
-      </p:pic>
-      <p:pic>
-        <p:nvPicPr>
-          <p:cNvPr id="17" name="그림 16"/>
-          <p:cNvPicPr>
-            <a:picLocks noChangeAspect="1"/>
-          </p:cNvPicPr>
-          <p:nvPr/>
-        </p:nvPicPr>
-        <p:blipFill>
-          <a:blip r:embed="rId5">
-            <a:extLst>
-              <a:ext uri="{28A0092B-C50C-407E-A947-70E740481C1C}">
-                <a14:useLocalDpi xmlns:a14="http://schemas.microsoft.com/office/drawing/2010/main" val="0"/>
-              </a:ext>
-            </a:extLst>
-          </a:blip>
-          <a:stretch>
-            <a:fillRect/>
-          </a:stretch>
-        </p:blipFill>
-        <p:spPr>
-          <a:xfrm>
-            <a:off x="2992312" y="509955"/>
-            <a:ext cx="293077" cy="293077"/>
-          </a:xfrm>
-          <a:prstGeom prst="rect">
-            <a:avLst/>
-          </a:prstGeom>
-        </p:spPr>
-      </p:pic>
-      <p:sp>
-        <p:nvSpPr>
-          <p:cNvPr id="7" name="TextBox 6"/>
-          <p:cNvSpPr txBox="1"/>
-          <p:nvPr/>
-        </p:nvSpPr>
-        <p:spPr>
-          <a:xfrm>
-            <a:off x="2913183" y="767861"/>
-            <a:ext cx="1016979" cy="400110"/>
-          </a:xfrm>
-          <a:prstGeom prst="rect">
-            <a:avLst/>
-          </a:prstGeom>
-          <a:noFill/>
-        </p:spPr>
-        <p:txBody>
-          <a:bodyPr wrap="square" rtlCol="0">
-            <a:spAutoFit/>
-          </a:bodyPr>
-          <a:lstStyle/>
-          <a:p>
-            <a:r>
-              <a:rPr lang="en-US" altLang="ko-KR" sz="2000" b="1" dirty="0" smtClean="0">
-                <a:solidFill>
-                  <a:schemeClr val="accent1">
-                    <a:lumMod val="75000"/>
-                  </a:schemeClr>
-                </a:solidFill>
-              </a:rPr>
-              <a:t>LIST</a:t>
-            </a:r>
-            <a:endParaRPr lang="ko-KR" altLang="en-US" sz="2000" b="1" dirty="0">
-              <a:solidFill>
-                <a:schemeClr val="accent1">
-                  <a:lumMod val="75000"/>
-                </a:schemeClr>
-              </a:solidFill>
-            </a:endParaRPr>
-          </a:p>
-        </p:txBody>
-      </p:sp>
-      <p:sp>
-        <p:nvSpPr>
-          <p:cNvPr id="18" name="직사각형 17"/>
-          <p:cNvSpPr/>
-          <p:nvPr/>
-        </p:nvSpPr>
-        <p:spPr>
-          <a:xfrm>
-            <a:off x="3727942" y="202223"/>
-            <a:ext cx="958362" cy="958362"/>
-          </a:xfrm>
-          <a:prstGeom prst="rect">
-            <a:avLst/>
-          </a:prstGeom>
-          <a:noFill/>
-        </p:spPr>
-        <p:style>
-          <a:lnRef idx="2">
-            <a:schemeClr val="accent1">
-              <a:shade val="50000"/>
-            </a:schemeClr>
-          </a:lnRef>
-          <a:fillRef idx="1">
-            <a:schemeClr val="accent1"/>
-          </a:fillRef>
-          <a:effectRef idx="0">
-            <a:schemeClr val="accent1"/>
-          </a:effectRef>
-          <a:fontRef idx="minor">
-            <a:schemeClr val="lt1"/>
-          </a:fontRef>
-        </p:style>
-        <p:txBody>
-          <a:bodyPr rtlCol="0" anchor="ctr"/>
-          <a:lstStyle/>
-          <a:p>
-            <a:pPr algn="ctr"/>
-            <a:endParaRPr lang="ko-KR" altLang="en-US"/>
-          </a:p>
-        </p:txBody>
-      </p:sp>
-      <p:pic>
-        <p:nvPicPr>
-          <p:cNvPr id="20" name="그림 19"/>
           <p:cNvPicPr>
             <a:picLocks noChangeAspect="1"/>
           </p:cNvPicPr>
@@ -3632,8 +3569,8 @@
         </p:blipFill>
         <p:spPr>
           <a:xfrm>
-            <a:off x="4356109" y="803032"/>
-            <a:ext cx="267652" cy="267652"/>
+            <a:off x="2643553" y="247283"/>
+            <a:ext cx="293077" cy="293077"/>
           </a:xfrm>
           <a:prstGeom prst="rect">
             <a:avLst/>
@@ -3642,7 +3579,7 @@
       </p:pic>
       <p:pic>
         <p:nvPicPr>
-          <p:cNvPr id="25" name="그림 24"/>
+          <p:cNvPr id="12" name="그림 11"/>
           <p:cNvPicPr>
             <a:picLocks noChangeAspect="1"/>
           </p:cNvPicPr>
@@ -3662,8 +3599,8 @@
         </p:blipFill>
         <p:spPr>
           <a:xfrm>
-            <a:off x="4356109" y="547578"/>
-            <a:ext cx="267652" cy="267652"/>
+            <a:off x="2643553" y="509955"/>
+            <a:ext cx="293077" cy="293077"/>
           </a:xfrm>
           <a:prstGeom prst="rect">
             <a:avLst/>
@@ -3672,7 +3609,7 @@
       </p:pic>
       <p:pic>
         <p:nvPicPr>
-          <p:cNvPr id="26" name="그림 25"/>
+          <p:cNvPr id="13" name="그림 12"/>
           <p:cNvPicPr>
             <a:picLocks noChangeAspect="1"/>
           </p:cNvPicPr>
@@ -3692,8 +3629,8 @@
         </p:blipFill>
         <p:spPr>
           <a:xfrm>
-            <a:off x="4356109" y="272540"/>
-            <a:ext cx="267652" cy="267652"/>
+            <a:off x="2643553" y="775189"/>
+            <a:ext cx="293077" cy="293077"/>
           </a:xfrm>
           <a:prstGeom prst="rect">
             <a:avLst/>
@@ -3702,7 +3639,7 @@
       </p:pic>
       <p:pic>
         <p:nvPicPr>
-          <p:cNvPr id="27" name="그림 26"/>
+          <p:cNvPr id="16" name="그림 15"/>
           <p:cNvPicPr>
             <a:picLocks noChangeAspect="1"/>
           </p:cNvPicPr>
@@ -3722,8 +3659,8 @@
         </p:blipFill>
         <p:spPr>
           <a:xfrm>
-            <a:off x="3875483" y="803032"/>
-            <a:ext cx="267652" cy="267652"/>
+            <a:off x="2992312" y="247283"/>
+            <a:ext cx="293077" cy="293077"/>
           </a:xfrm>
           <a:prstGeom prst="rect">
             <a:avLst/>
@@ -3732,7 +3669,7 @@
       </p:pic>
       <p:pic>
         <p:nvPicPr>
-          <p:cNvPr id="28" name="그림 27"/>
+          <p:cNvPr id="17" name="그림 16"/>
           <p:cNvPicPr>
             <a:picLocks noChangeAspect="1"/>
           </p:cNvPicPr>
@@ -3752,8 +3689,8 @@
         </p:blipFill>
         <p:spPr>
           <a:xfrm>
-            <a:off x="4088457" y="547578"/>
-            <a:ext cx="267652" cy="267652"/>
+            <a:off x="2992312" y="509955"/>
+            <a:ext cx="293077" cy="293077"/>
           </a:xfrm>
           <a:prstGeom prst="rect">
             <a:avLst/>
@@ -3762,13 +3699,13 @@
       </p:pic>
       <p:sp>
         <p:nvSpPr>
-          <p:cNvPr id="29" name="TextBox 28"/>
+          <p:cNvPr id="7" name="TextBox 6"/>
           <p:cNvSpPr txBox="1"/>
           <p:nvPr/>
         </p:nvSpPr>
         <p:spPr>
           <a:xfrm>
-            <a:off x="3713793" y="188213"/>
+            <a:off x="2913183" y="767861"/>
             <a:ext cx="1016979" cy="400110"/>
           </a:xfrm>
           <a:prstGeom prst="rect">
@@ -3804,13 +3741,13 @@
       </p:sp>
       <p:sp>
         <p:nvSpPr>
-          <p:cNvPr id="30" name="직사각형 29"/>
+          <p:cNvPr id="18" name="직사각형 17"/>
           <p:cNvSpPr/>
           <p:nvPr/>
         </p:nvSpPr>
         <p:spPr>
           <a:xfrm>
-            <a:off x="4911987" y="202223"/>
+            <a:off x="3727942" y="202223"/>
             <a:ext cx="958362" cy="958362"/>
           </a:xfrm>
           <a:prstGeom prst="rect">
@@ -3843,16 +3780,208 @@
           </a:p>
         </p:txBody>
       </p:sp>
-      <p:sp>
-        <p:nvSpPr>
-          <p:cNvPr id="32" name="직사각형 31"/>
+      <p:pic>
+        <p:nvPicPr>
+          <p:cNvPr id="20" name="그림 19"/>
+          <p:cNvPicPr>
+            <a:picLocks noChangeAspect="1"/>
+          </p:cNvPicPr>
+          <p:nvPr/>
+        </p:nvPicPr>
+        <p:blipFill>
+          <a:blip r:embed="rId7">
+            <a:extLst>
+              <a:ext uri="{28A0092B-C50C-407E-A947-70E740481C1C}">
+                <a14:useLocalDpi xmlns:a14="http://schemas.microsoft.com/office/drawing/2010/main" val="0"/>
+              </a:ext>
+            </a:extLst>
+          </a:blip>
+          <a:stretch>
+            <a:fillRect/>
+          </a:stretch>
+        </p:blipFill>
+        <p:spPr>
+          <a:xfrm>
+            <a:off x="4356109" y="803032"/>
+            <a:ext cx="267652" cy="267652"/>
+          </a:xfrm>
+          <a:prstGeom prst="rect">
+            <a:avLst/>
+          </a:prstGeom>
+        </p:spPr>
+      </p:pic>
+      <p:pic>
+        <p:nvPicPr>
+          <p:cNvPr id="25" name="그림 24"/>
+          <p:cNvPicPr>
+            <a:picLocks noChangeAspect="1"/>
+          </p:cNvPicPr>
+          <p:nvPr/>
+        </p:nvPicPr>
+        <p:blipFill>
+          <a:blip r:embed="rId7">
+            <a:extLst>
+              <a:ext uri="{28A0092B-C50C-407E-A947-70E740481C1C}">
+                <a14:useLocalDpi xmlns:a14="http://schemas.microsoft.com/office/drawing/2010/main" val="0"/>
+              </a:ext>
+            </a:extLst>
+          </a:blip>
+          <a:stretch>
+            <a:fillRect/>
+          </a:stretch>
+        </p:blipFill>
+        <p:spPr>
+          <a:xfrm>
+            <a:off x="4356109" y="547578"/>
+            <a:ext cx="267652" cy="267652"/>
+          </a:xfrm>
+          <a:prstGeom prst="rect">
+            <a:avLst/>
+          </a:prstGeom>
+        </p:spPr>
+      </p:pic>
+      <p:pic>
+        <p:nvPicPr>
+          <p:cNvPr id="26" name="그림 25"/>
+          <p:cNvPicPr>
+            <a:picLocks noChangeAspect="1"/>
+          </p:cNvPicPr>
+          <p:nvPr/>
+        </p:nvPicPr>
+        <p:blipFill>
+          <a:blip r:embed="rId7">
+            <a:extLst>
+              <a:ext uri="{28A0092B-C50C-407E-A947-70E740481C1C}">
+                <a14:useLocalDpi xmlns:a14="http://schemas.microsoft.com/office/drawing/2010/main" val="0"/>
+              </a:ext>
+            </a:extLst>
+          </a:blip>
+          <a:stretch>
+            <a:fillRect/>
+          </a:stretch>
+        </p:blipFill>
+        <p:spPr>
+          <a:xfrm>
+            <a:off x="4356109" y="272540"/>
+            <a:ext cx="267652" cy="267652"/>
+          </a:xfrm>
+          <a:prstGeom prst="rect">
+            <a:avLst/>
+          </a:prstGeom>
+        </p:spPr>
+      </p:pic>
+      <p:pic>
+        <p:nvPicPr>
+          <p:cNvPr id="27" name="그림 26"/>
+          <p:cNvPicPr>
+            <a:picLocks noChangeAspect="1"/>
+          </p:cNvPicPr>
+          <p:nvPr/>
+        </p:nvPicPr>
+        <p:blipFill>
+          <a:blip r:embed="rId7">
+            <a:extLst>
+              <a:ext uri="{28A0092B-C50C-407E-A947-70E740481C1C}">
+                <a14:useLocalDpi xmlns:a14="http://schemas.microsoft.com/office/drawing/2010/main" val="0"/>
+              </a:ext>
+            </a:extLst>
+          </a:blip>
+          <a:stretch>
+            <a:fillRect/>
+          </a:stretch>
+        </p:blipFill>
+        <p:spPr>
+          <a:xfrm>
+            <a:off x="3875483" y="803032"/>
+            <a:ext cx="267652" cy="267652"/>
+          </a:xfrm>
+          <a:prstGeom prst="rect">
+            <a:avLst/>
+          </a:prstGeom>
+        </p:spPr>
+      </p:pic>
+      <p:pic>
+        <p:nvPicPr>
+          <p:cNvPr id="28" name="그림 27"/>
+          <p:cNvPicPr>
+            <a:picLocks noChangeAspect="1"/>
+          </p:cNvPicPr>
+          <p:nvPr/>
+        </p:nvPicPr>
+        <p:blipFill>
+          <a:blip r:embed="rId7">
+            <a:extLst>
+              <a:ext uri="{28A0092B-C50C-407E-A947-70E740481C1C}">
+                <a14:useLocalDpi xmlns:a14="http://schemas.microsoft.com/office/drawing/2010/main" val="0"/>
+              </a:ext>
+            </a:extLst>
+          </a:blip>
+          <a:stretch>
+            <a:fillRect/>
+          </a:stretch>
+        </p:blipFill>
+        <p:spPr>
+          <a:xfrm>
+            <a:off x="4088457" y="547578"/>
+            <a:ext cx="267652" cy="267652"/>
+          </a:xfrm>
+          <a:prstGeom prst="rect">
+            <a:avLst/>
+          </a:prstGeom>
+        </p:spPr>
+      </p:pic>
+      <p:sp>
+        <p:nvSpPr>
+          <p:cNvPr id="29" name="TextBox 28"/>
+          <p:cNvSpPr txBox="1"/>
+          <p:nvPr/>
+        </p:nvSpPr>
+        <p:spPr>
+          <a:xfrm>
+            <a:off x="3713793" y="188213"/>
+            <a:ext cx="1016979" cy="400110"/>
+          </a:xfrm>
+          <a:prstGeom prst="rect">
+            <a:avLst/>
+          </a:prstGeom>
+          <a:noFill/>
+        </p:spPr>
+        <p:txBody>
+          <a:bodyPr wrap="square" rtlCol="0">
+            <a:spAutoFit/>
+          </a:bodyPr>
+          <a:lstStyle/>
+          <a:p>
+            <a:r>
+              <a:rPr lang="en-US" altLang="ko-KR" sz="2000" b="1" dirty="0" smtClean="0">
+                <a:solidFill>
+                  <a:schemeClr val="accent1">
+                    <a:lumMod val="75000"/>
+                  </a:schemeClr>
+                </a:solidFill>
+              </a:rPr>
+              <a:t>LIST</a:t>
+            </a:r>
+            <a:endParaRPr lang="ko-KR" altLang="en-US" sz="2000" b="1" dirty="0">
+              <a:solidFill>
+                <a:schemeClr val="accent1">
+                  <a:lumMod val="75000"/>
+                </a:schemeClr>
+              </a:solidFill>
+            </a:endParaRPr>
+          </a:p>
+        </p:txBody>
+      </p:sp>
+      <p:sp>
+        <p:nvSpPr>
+          <p:cNvPr id="30" name="직사각형 29"/>
           <p:cNvSpPr/>
           <p:nvPr/>
         </p:nvSpPr>
         <p:spPr>
           <a:xfrm>
-            <a:off x="4994031" y="272540"/>
-            <a:ext cx="808892" cy="795726"/>
+            <a:off x="4911987" y="202223"/>
+            <a:ext cx="958362" cy="958362"/>
           </a:xfrm>
           <a:prstGeom prst="rect">
             <a:avLst/>
@@ -3886,18 +4015,19 @@
       </p:sp>
       <p:sp>
         <p:nvSpPr>
-          <p:cNvPr id="33" name="직사각형 32"/>
+          <p:cNvPr id="32" name="직사각형 31"/>
           <p:cNvSpPr/>
           <p:nvPr/>
         </p:nvSpPr>
         <p:spPr>
           <a:xfrm>
             <a:off x="4994031" y="272540"/>
-            <a:ext cx="808892" cy="237415"/>
-          </a:xfrm>
-          <a:prstGeom prst="rect">
-            <a:avLst/>
-          </a:prstGeom>
+            <a:ext cx="808892" cy="826498"/>
+          </a:xfrm>
+          <a:prstGeom prst="rect">
+            <a:avLst/>
+          </a:prstGeom>
+          <a:noFill/>
         </p:spPr>
         <p:style>
           <a:lnRef idx="2">
@@ -3926,19 +4056,18 @@
       </p:sp>
       <p:sp>
         <p:nvSpPr>
-          <p:cNvPr id="38" name="직사각형 37"/>
+          <p:cNvPr id="33" name="직사각형 32"/>
           <p:cNvSpPr/>
           <p:nvPr/>
         </p:nvSpPr>
         <p:spPr>
           <a:xfrm>
-            <a:off x="4994031" y="527539"/>
-            <a:ext cx="808892" cy="247650"/>
-          </a:xfrm>
-          <a:prstGeom prst="rect">
-            <a:avLst/>
-          </a:prstGeom>
-          <a:noFill/>
+            <a:off x="4994031" y="269962"/>
+            <a:ext cx="808892" cy="238180"/>
+          </a:xfrm>
+          <a:prstGeom prst="rect">
+            <a:avLst/>
+          </a:prstGeom>
         </p:spPr>
         <p:style>
           <a:lnRef idx="2">
@@ -3961,20 +4090,28 @@
           <a:lstStyle/>
           <a:p>
             <a:pPr algn="ctr"/>
-            <a:endParaRPr lang="ko-KR" altLang="en-US"/>
-          </a:p>
-        </p:txBody>
-      </p:sp>
-      <p:sp>
-        <p:nvSpPr>
-          <p:cNvPr id="39" name="직사각형 38"/>
+            <a:r>
+              <a:rPr lang="en-US" altLang="ko-KR" sz="1400" b="1" dirty="0" err="1"/>
+              <a:t>p</a:t>
+            </a:r>
+            <a:r>
+              <a:rPr lang="en-US" altLang="ko-KR" sz="1400" b="1" dirty="0" err="1" smtClean="0"/>
+              <a:t>FMEA</a:t>
+            </a:r>
+            <a:endParaRPr lang="ko-KR" altLang="en-US" sz="1400" b="1" dirty="0"/>
+          </a:p>
+        </p:txBody>
+      </p:sp>
+      <p:sp>
+        <p:nvSpPr>
+          <p:cNvPr id="44" name="직사각형 43"/>
           <p:cNvSpPr/>
           <p:nvPr/>
         </p:nvSpPr>
         <p:spPr>
           <a:xfrm>
-            <a:off x="4994031" y="803032"/>
-            <a:ext cx="808892" cy="265234"/>
+            <a:off x="4994031" y="523002"/>
+            <a:ext cx="808892" cy="178948"/>
           </a:xfrm>
           <a:prstGeom prst="rect">
             <a:avLst/>
@@ -4006,6 +4143,1553 @@
           </a:p>
         </p:txBody>
       </p:sp>
+      <p:sp>
+        <p:nvSpPr>
+          <p:cNvPr id="45" name="직사각형 44"/>
+          <p:cNvSpPr/>
+          <p:nvPr/>
+        </p:nvSpPr>
+        <p:spPr>
+          <a:xfrm>
+            <a:off x="4994031" y="721546"/>
+            <a:ext cx="808892" cy="178948"/>
+          </a:xfrm>
+          <a:prstGeom prst="rect">
+            <a:avLst/>
+          </a:prstGeom>
+          <a:noFill/>
+        </p:spPr>
+        <p:style>
+          <a:lnRef idx="2">
+            <a:schemeClr val="accent1">
+              <a:shade val="50000"/>
+            </a:schemeClr>
+          </a:lnRef>
+          <a:fillRef idx="1">
+            <a:schemeClr val="accent1"/>
+          </a:fillRef>
+          <a:effectRef idx="0">
+            <a:schemeClr val="accent1"/>
+          </a:effectRef>
+          <a:fontRef idx="minor">
+            <a:schemeClr val="lt1"/>
+          </a:fontRef>
+        </p:style>
+        <p:txBody>
+          <a:bodyPr rtlCol="0" anchor="ctr"/>
+          <a:lstStyle/>
+          <a:p>
+            <a:pPr algn="ctr"/>
+            <a:endParaRPr lang="ko-KR" altLang="en-US"/>
+          </a:p>
+        </p:txBody>
+      </p:sp>
+      <p:sp>
+        <p:nvSpPr>
+          <p:cNvPr id="46" name="직사각형 45"/>
+          <p:cNvSpPr/>
+          <p:nvPr/>
+        </p:nvSpPr>
+        <p:spPr>
+          <a:xfrm>
+            <a:off x="4994031" y="920090"/>
+            <a:ext cx="808892" cy="178948"/>
+          </a:xfrm>
+          <a:prstGeom prst="rect">
+            <a:avLst/>
+          </a:prstGeom>
+          <a:noFill/>
+        </p:spPr>
+        <p:style>
+          <a:lnRef idx="2">
+            <a:schemeClr val="accent1">
+              <a:shade val="50000"/>
+            </a:schemeClr>
+          </a:lnRef>
+          <a:fillRef idx="1">
+            <a:schemeClr val="accent1"/>
+          </a:fillRef>
+          <a:effectRef idx="0">
+            <a:schemeClr val="accent1"/>
+          </a:effectRef>
+          <a:fontRef idx="minor">
+            <a:schemeClr val="lt1"/>
+          </a:fontRef>
+        </p:style>
+        <p:txBody>
+          <a:bodyPr rtlCol="0" anchor="ctr"/>
+          <a:lstStyle/>
+          <a:p>
+            <a:pPr algn="ctr"/>
+            <a:endParaRPr lang="ko-KR" altLang="en-US"/>
+          </a:p>
+        </p:txBody>
+      </p:sp>
+      <p:sp>
+        <p:nvSpPr>
+          <p:cNvPr id="15" name="직사각형 14"/>
+          <p:cNvSpPr/>
+          <p:nvPr/>
+        </p:nvSpPr>
+        <p:spPr>
+          <a:xfrm>
+            <a:off x="4994031" y="523002"/>
+            <a:ext cx="257897" cy="178948"/>
+          </a:xfrm>
+          <a:prstGeom prst="rect">
+            <a:avLst/>
+          </a:prstGeom>
+          <a:solidFill>
+            <a:srgbClr val="FF0000"/>
+          </a:solidFill>
+        </p:spPr>
+        <p:style>
+          <a:lnRef idx="2">
+            <a:schemeClr val="accent1">
+              <a:shade val="50000"/>
+            </a:schemeClr>
+          </a:lnRef>
+          <a:fillRef idx="1">
+            <a:schemeClr val="accent1"/>
+          </a:fillRef>
+          <a:effectRef idx="0">
+            <a:schemeClr val="accent1"/>
+          </a:effectRef>
+          <a:fontRef idx="minor">
+            <a:schemeClr val="lt1"/>
+          </a:fontRef>
+        </p:style>
+        <p:txBody>
+          <a:bodyPr rtlCol="0" anchor="ctr"/>
+          <a:lstStyle/>
+          <a:p>
+            <a:pPr algn="ctr"/>
+            <a:r>
+              <a:rPr lang="en-US" altLang="ko-KR" sz="1400" b="1" dirty="0" smtClean="0"/>
+              <a:t>H</a:t>
+            </a:r>
+            <a:endParaRPr lang="ko-KR" altLang="en-US" sz="1400" b="1" dirty="0"/>
+          </a:p>
+        </p:txBody>
+      </p:sp>
+      <p:sp>
+        <p:nvSpPr>
+          <p:cNvPr id="47" name="직사각형 46"/>
+          <p:cNvSpPr/>
+          <p:nvPr/>
+        </p:nvSpPr>
+        <p:spPr>
+          <a:xfrm>
+            <a:off x="4994031" y="720179"/>
+            <a:ext cx="257897" cy="178948"/>
+          </a:xfrm>
+          <a:prstGeom prst="rect">
+            <a:avLst/>
+          </a:prstGeom>
+          <a:solidFill>
+            <a:srgbClr val="FFC000"/>
+          </a:solidFill>
+        </p:spPr>
+        <p:style>
+          <a:lnRef idx="2">
+            <a:schemeClr val="accent1">
+              <a:shade val="50000"/>
+            </a:schemeClr>
+          </a:lnRef>
+          <a:fillRef idx="1">
+            <a:schemeClr val="accent1"/>
+          </a:fillRef>
+          <a:effectRef idx="0">
+            <a:schemeClr val="accent1"/>
+          </a:effectRef>
+          <a:fontRef idx="minor">
+            <a:schemeClr val="lt1"/>
+          </a:fontRef>
+        </p:style>
+        <p:txBody>
+          <a:bodyPr rtlCol="0" anchor="ctr"/>
+          <a:lstStyle/>
+          <a:p>
+            <a:pPr algn="ctr"/>
+            <a:r>
+              <a:rPr lang="en-US" altLang="ko-KR" sz="1200" b="1" dirty="0" smtClean="0"/>
+              <a:t>M</a:t>
+            </a:r>
+            <a:endParaRPr lang="ko-KR" altLang="en-US" sz="1200" b="1" dirty="0"/>
+          </a:p>
+        </p:txBody>
+      </p:sp>
+      <p:sp>
+        <p:nvSpPr>
+          <p:cNvPr id="48" name="직사각형 47"/>
+          <p:cNvSpPr/>
+          <p:nvPr/>
+        </p:nvSpPr>
+        <p:spPr>
+          <a:xfrm>
+            <a:off x="4994031" y="922476"/>
+            <a:ext cx="257897" cy="178948"/>
+          </a:xfrm>
+          <a:prstGeom prst="rect">
+            <a:avLst/>
+          </a:prstGeom>
+          <a:solidFill>
+            <a:srgbClr val="FFFF00"/>
+          </a:solidFill>
+        </p:spPr>
+        <p:style>
+          <a:lnRef idx="2">
+            <a:schemeClr val="accent1">
+              <a:shade val="50000"/>
+            </a:schemeClr>
+          </a:lnRef>
+          <a:fillRef idx="1">
+            <a:schemeClr val="accent1"/>
+          </a:fillRef>
+          <a:effectRef idx="0">
+            <a:schemeClr val="accent1"/>
+          </a:effectRef>
+          <a:fontRef idx="minor">
+            <a:schemeClr val="lt1"/>
+          </a:fontRef>
+        </p:style>
+        <p:txBody>
+          <a:bodyPr rtlCol="0" anchor="ctr"/>
+          <a:lstStyle/>
+          <a:p>
+            <a:pPr algn="ctr"/>
+            <a:r>
+              <a:rPr lang="en-US" altLang="ko-KR" sz="1400" b="1" dirty="0">
+                <a:solidFill>
+                  <a:schemeClr val="tx1"/>
+                </a:solidFill>
+              </a:rPr>
+              <a:t>L</a:t>
+            </a:r>
+            <a:endParaRPr lang="ko-KR" altLang="en-US" sz="1400" b="1" dirty="0">
+              <a:solidFill>
+                <a:schemeClr val="tx1"/>
+              </a:solidFill>
+            </a:endParaRPr>
+          </a:p>
+        </p:txBody>
+      </p:sp>
+      <p:sp>
+        <p:nvSpPr>
+          <p:cNvPr id="49" name="직사각형 48"/>
+          <p:cNvSpPr/>
+          <p:nvPr/>
+        </p:nvSpPr>
+        <p:spPr>
+          <a:xfrm>
+            <a:off x="6133608" y="272540"/>
+            <a:ext cx="257897" cy="826498"/>
+          </a:xfrm>
+          <a:prstGeom prst="rect">
+            <a:avLst/>
+          </a:prstGeom>
+          <a:noFill/>
+        </p:spPr>
+        <p:style>
+          <a:lnRef idx="2">
+            <a:schemeClr val="accent1">
+              <a:shade val="50000"/>
+            </a:schemeClr>
+          </a:lnRef>
+          <a:fillRef idx="1">
+            <a:schemeClr val="accent1"/>
+          </a:fillRef>
+          <a:effectRef idx="0">
+            <a:schemeClr val="accent1"/>
+          </a:effectRef>
+          <a:fontRef idx="minor">
+            <a:schemeClr val="lt1"/>
+          </a:fontRef>
+        </p:style>
+        <p:txBody>
+          <a:bodyPr rtlCol="0" anchor="ctr"/>
+          <a:lstStyle/>
+          <a:p>
+            <a:pPr algn="ctr"/>
+            <a:endParaRPr lang="ko-KR" altLang="en-US"/>
+          </a:p>
+        </p:txBody>
+      </p:sp>
+      <p:sp>
+        <p:nvSpPr>
+          <p:cNvPr id="50" name="직사각형 49"/>
+          <p:cNvSpPr/>
+          <p:nvPr/>
+        </p:nvSpPr>
+        <p:spPr>
+          <a:xfrm>
+            <a:off x="6409105" y="272540"/>
+            <a:ext cx="257897" cy="826498"/>
+          </a:xfrm>
+          <a:prstGeom prst="rect">
+            <a:avLst/>
+          </a:prstGeom>
+          <a:noFill/>
+        </p:spPr>
+        <p:style>
+          <a:lnRef idx="2">
+            <a:schemeClr val="accent1">
+              <a:shade val="50000"/>
+            </a:schemeClr>
+          </a:lnRef>
+          <a:fillRef idx="1">
+            <a:schemeClr val="accent1"/>
+          </a:fillRef>
+          <a:effectRef idx="0">
+            <a:schemeClr val="accent1"/>
+          </a:effectRef>
+          <a:fontRef idx="minor">
+            <a:schemeClr val="lt1"/>
+          </a:fontRef>
+        </p:style>
+        <p:txBody>
+          <a:bodyPr rtlCol="0" anchor="ctr"/>
+          <a:lstStyle/>
+          <a:p>
+            <a:pPr algn="ctr"/>
+            <a:endParaRPr lang="ko-KR" altLang="en-US"/>
+          </a:p>
+        </p:txBody>
+      </p:sp>
+      <p:sp>
+        <p:nvSpPr>
+          <p:cNvPr id="51" name="직사각형 50"/>
+          <p:cNvSpPr/>
+          <p:nvPr/>
+        </p:nvSpPr>
+        <p:spPr>
+          <a:xfrm>
+            <a:off x="6684585" y="272540"/>
+            <a:ext cx="257897" cy="826498"/>
+          </a:xfrm>
+          <a:prstGeom prst="rect">
+            <a:avLst/>
+          </a:prstGeom>
+          <a:noFill/>
+        </p:spPr>
+        <p:style>
+          <a:lnRef idx="2">
+            <a:schemeClr val="accent1">
+              <a:shade val="50000"/>
+            </a:schemeClr>
+          </a:lnRef>
+          <a:fillRef idx="1">
+            <a:schemeClr val="accent1"/>
+          </a:fillRef>
+          <a:effectRef idx="0">
+            <a:schemeClr val="accent1"/>
+          </a:effectRef>
+          <a:fontRef idx="minor">
+            <a:schemeClr val="lt1"/>
+          </a:fontRef>
+        </p:style>
+        <p:txBody>
+          <a:bodyPr rtlCol="0" anchor="ctr"/>
+          <a:lstStyle/>
+          <a:p>
+            <a:pPr algn="ctr"/>
+            <a:endParaRPr lang="ko-KR" altLang="en-US"/>
+          </a:p>
+        </p:txBody>
+      </p:sp>
+      <p:sp>
+        <p:nvSpPr>
+          <p:cNvPr id="52" name="직사각형 51"/>
+          <p:cNvSpPr/>
+          <p:nvPr/>
+        </p:nvSpPr>
+        <p:spPr>
+          <a:xfrm>
+            <a:off x="6051564" y="202223"/>
+            <a:ext cx="958362" cy="958362"/>
+          </a:xfrm>
+          <a:prstGeom prst="rect">
+            <a:avLst/>
+          </a:prstGeom>
+          <a:noFill/>
+        </p:spPr>
+        <p:style>
+          <a:lnRef idx="2">
+            <a:schemeClr val="accent1">
+              <a:shade val="50000"/>
+            </a:schemeClr>
+          </a:lnRef>
+          <a:fillRef idx="1">
+            <a:schemeClr val="accent1"/>
+          </a:fillRef>
+          <a:effectRef idx="0">
+            <a:schemeClr val="accent1"/>
+          </a:effectRef>
+          <a:fontRef idx="minor">
+            <a:schemeClr val="lt1"/>
+          </a:fontRef>
+        </p:style>
+        <p:txBody>
+          <a:bodyPr rtlCol="0" anchor="ctr"/>
+          <a:lstStyle/>
+          <a:p>
+            <a:pPr algn="ctr"/>
+            <a:endParaRPr lang="ko-KR" altLang="en-US"/>
+          </a:p>
+        </p:txBody>
+      </p:sp>
+      <p:sp>
+        <p:nvSpPr>
+          <p:cNvPr id="53" name="직사각형 52"/>
+          <p:cNvSpPr/>
+          <p:nvPr/>
+        </p:nvSpPr>
+        <p:spPr>
+          <a:xfrm>
+            <a:off x="6133608" y="272540"/>
+            <a:ext cx="808892" cy="826498"/>
+          </a:xfrm>
+          <a:prstGeom prst="rect">
+            <a:avLst/>
+          </a:prstGeom>
+          <a:noFill/>
+        </p:spPr>
+        <p:style>
+          <a:lnRef idx="2">
+            <a:schemeClr val="accent1">
+              <a:shade val="50000"/>
+            </a:schemeClr>
+          </a:lnRef>
+          <a:fillRef idx="1">
+            <a:schemeClr val="accent1"/>
+          </a:fillRef>
+          <a:effectRef idx="0">
+            <a:schemeClr val="accent1"/>
+          </a:effectRef>
+          <a:fontRef idx="minor">
+            <a:schemeClr val="lt1"/>
+          </a:fontRef>
+        </p:style>
+        <p:txBody>
+          <a:bodyPr rtlCol="0" anchor="ctr"/>
+          <a:lstStyle/>
+          <a:p>
+            <a:pPr algn="ctr"/>
+            <a:endParaRPr lang="ko-KR" altLang="en-US"/>
+          </a:p>
+        </p:txBody>
+      </p:sp>
+      <p:sp>
+        <p:nvSpPr>
+          <p:cNvPr id="54" name="직사각형 53"/>
+          <p:cNvSpPr/>
+          <p:nvPr/>
+        </p:nvSpPr>
+        <p:spPr>
+          <a:xfrm>
+            <a:off x="6133608" y="269962"/>
+            <a:ext cx="808892" cy="238180"/>
+          </a:xfrm>
+          <a:prstGeom prst="rect">
+            <a:avLst/>
+          </a:prstGeom>
+        </p:spPr>
+        <p:style>
+          <a:lnRef idx="2">
+            <a:schemeClr val="accent1">
+              <a:shade val="50000"/>
+            </a:schemeClr>
+          </a:lnRef>
+          <a:fillRef idx="1">
+            <a:schemeClr val="accent1"/>
+          </a:fillRef>
+          <a:effectRef idx="0">
+            <a:schemeClr val="accent1"/>
+          </a:effectRef>
+          <a:fontRef idx="minor">
+            <a:schemeClr val="lt1"/>
+          </a:fontRef>
+        </p:style>
+        <p:txBody>
+          <a:bodyPr rtlCol="0" anchor="ctr"/>
+          <a:lstStyle/>
+          <a:p>
+            <a:pPr algn="ctr"/>
+            <a:r>
+              <a:rPr lang="en-US" altLang="ko-KR" sz="1400" b="1" dirty="0" err="1"/>
+              <a:t>d</a:t>
+            </a:r>
+            <a:r>
+              <a:rPr lang="en-US" altLang="ko-KR" sz="1400" b="1" dirty="0" err="1" smtClean="0"/>
+              <a:t>FMEA</a:t>
+            </a:r>
+            <a:endParaRPr lang="ko-KR" altLang="en-US" sz="1400" b="1" dirty="0"/>
+          </a:p>
+        </p:txBody>
+      </p:sp>
+      <p:sp>
+        <p:nvSpPr>
+          <p:cNvPr id="55" name="직사각형 54"/>
+          <p:cNvSpPr/>
+          <p:nvPr/>
+        </p:nvSpPr>
+        <p:spPr>
+          <a:xfrm>
+            <a:off x="6133608" y="523002"/>
+            <a:ext cx="808892" cy="178948"/>
+          </a:xfrm>
+          <a:prstGeom prst="rect">
+            <a:avLst/>
+          </a:prstGeom>
+          <a:noFill/>
+        </p:spPr>
+        <p:style>
+          <a:lnRef idx="2">
+            <a:schemeClr val="accent1">
+              <a:shade val="50000"/>
+            </a:schemeClr>
+          </a:lnRef>
+          <a:fillRef idx="1">
+            <a:schemeClr val="accent1"/>
+          </a:fillRef>
+          <a:effectRef idx="0">
+            <a:schemeClr val="accent1"/>
+          </a:effectRef>
+          <a:fontRef idx="minor">
+            <a:schemeClr val="lt1"/>
+          </a:fontRef>
+        </p:style>
+        <p:txBody>
+          <a:bodyPr rtlCol="0" anchor="ctr"/>
+          <a:lstStyle/>
+          <a:p>
+            <a:pPr algn="ctr"/>
+            <a:endParaRPr lang="ko-KR" altLang="en-US"/>
+          </a:p>
+        </p:txBody>
+      </p:sp>
+      <p:sp>
+        <p:nvSpPr>
+          <p:cNvPr id="56" name="직사각형 55"/>
+          <p:cNvSpPr/>
+          <p:nvPr/>
+        </p:nvSpPr>
+        <p:spPr>
+          <a:xfrm>
+            <a:off x="6133608" y="721546"/>
+            <a:ext cx="808892" cy="178948"/>
+          </a:xfrm>
+          <a:prstGeom prst="rect">
+            <a:avLst/>
+          </a:prstGeom>
+          <a:noFill/>
+        </p:spPr>
+        <p:style>
+          <a:lnRef idx="2">
+            <a:schemeClr val="accent1">
+              <a:shade val="50000"/>
+            </a:schemeClr>
+          </a:lnRef>
+          <a:fillRef idx="1">
+            <a:schemeClr val="accent1"/>
+          </a:fillRef>
+          <a:effectRef idx="0">
+            <a:schemeClr val="accent1"/>
+          </a:effectRef>
+          <a:fontRef idx="minor">
+            <a:schemeClr val="lt1"/>
+          </a:fontRef>
+        </p:style>
+        <p:txBody>
+          <a:bodyPr rtlCol="0" anchor="ctr"/>
+          <a:lstStyle/>
+          <a:p>
+            <a:pPr algn="ctr"/>
+            <a:endParaRPr lang="ko-KR" altLang="en-US"/>
+          </a:p>
+        </p:txBody>
+      </p:sp>
+      <p:sp>
+        <p:nvSpPr>
+          <p:cNvPr id="57" name="직사각형 56"/>
+          <p:cNvSpPr/>
+          <p:nvPr/>
+        </p:nvSpPr>
+        <p:spPr>
+          <a:xfrm>
+            <a:off x="6133608" y="920090"/>
+            <a:ext cx="808892" cy="178948"/>
+          </a:xfrm>
+          <a:prstGeom prst="rect">
+            <a:avLst/>
+          </a:prstGeom>
+          <a:noFill/>
+        </p:spPr>
+        <p:style>
+          <a:lnRef idx="2">
+            <a:schemeClr val="accent1">
+              <a:shade val="50000"/>
+            </a:schemeClr>
+          </a:lnRef>
+          <a:fillRef idx="1">
+            <a:schemeClr val="accent1"/>
+          </a:fillRef>
+          <a:effectRef idx="0">
+            <a:schemeClr val="accent1"/>
+          </a:effectRef>
+          <a:fontRef idx="minor">
+            <a:schemeClr val="lt1"/>
+          </a:fontRef>
+        </p:style>
+        <p:txBody>
+          <a:bodyPr rtlCol="0" anchor="ctr"/>
+          <a:lstStyle/>
+          <a:p>
+            <a:pPr algn="ctr"/>
+            <a:endParaRPr lang="ko-KR" altLang="en-US"/>
+          </a:p>
+        </p:txBody>
+      </p:sp>
+      <p:sp>
+        <p:nvSpPr>
+          <p:cNvPr id="58" name="직사각형 57"/>
+          <p:cNvSpPr/>
+          <p:nvPr/>
+        </p:nvSpPr>
+        <p:spPr>
+          <a:xfrm>
+            <a:off x="6133608" y="523002"/>
+            <a:ext cx="257897" cy="178948"/>
+          </a:xfrm>
+          <a:prstGeom prst="rect">
+            <a:avLst/>
+          </a:prstGeom>
+          <a:solidFill>
+            <a:srgbClr val="FF0000"/>
+          </a:solidFill>
+        </p:spPr>
+        <p:style>
+          <a:lnRef idx="2">
+            <a:schemeClr val="accent1">
+              <a:shade val="50000"/>
+            </a:schemeClr>
+          </a:lnRef>
+          <a:fillRef idx="1">
+            <a:schemeClr val="accent1"/>
+          </a:fillRef>
+          <a:effectRef idx="0">
+            <a:schemeClr val="accent1"/>
+          </a:effectRef>
+          <a:fontRef idx="minor">
+            <a:schemeClr val="lt1"/>
+          </a:fontRef>
+        </p:style>
+        <p:txBody>
+          <a:bodyPr rtlCol="0" anchor="ctr"/>
+          <a:lstStyle/>
+          <a:p>
+            <a:pPr algn="ctr"/>
+            <a:r>
+              <a:rPr lang="en-US" altLang="ko-KR" sz="1400" b="1" dirty="0" smtClean="0"/>
+              <a:t>H</a:t>
+            </a:r>
+            <a:endParaRPr lang="ko-KR" altLang="en-US" sz="1400" b="1" dirty="0"/>
+          </a:p>
+        </p:txBody>
+      </p:sp>
+      <p:sp>
+        <p:nvSpPr>
+          <p:cNvPr id="59" name="직사각형 58"/>
+          <p:cNvSpPr/>
+          <p:nvPr/>
+        </p:nvSpPr>
+        <p:spPr>
+          <a:xfrm>
+            <a:off x="6133608" y="720179"/>
+            <a:ext cx="257897" cy="178948"/>
+          </a:xfrm>
+          <a:prstGeom prst="rect">
+            <a:avLst/>
+          </a:prstGeom>
+          <a:solidFill>
+            <a:srgbClr val="FFC000"/>
+          </a:solidFill>
+        </p:spPr>
+        <p:style>
+          <a:lnRef idx="2">
+            <a:schemeClr val="accent1">
+              <a:shade val="50000"/>
+            </a:schemeClr>
+          </a:lnRef>
+          <a:fillRef idx="1">
+            <a:schemeClr val="accent1"/>
+          </a:fillRef>
+          <a:effectRef idx="0">
+            <a:schemeClr val="accent1"/>
+          </a:effectRef>
+          <a:fontRef idx="minor">
+            <a:schemeClr val="lt1"/>
+          </a:fontRef>
+        </p:style>
+        <p:txBody>
+          <a:bodyPr rtlCol="0" anchor="ctr"/>
+          <a:lstStyle/>
+          <a:p>
+            <a:pPr algn="ctr"/>
+            <a:r>
+              <a:rPr lang="en-US" altLang="ko-KR" sz="1200" b="1" dirty="0" smtClean="0"/>
+              <a:t>M</a:t>
+            </a:r>
+            <a:endParaRPr lang="ko-KR" altLang="en-US" sz="1200" b="1" dirty="0"/>
+          </a:p>
+        </p:txBody>
+      </p:sp>
+      <p:sp>
+        <p:nvSpPr>
+          <p:cNvPr id="60" name="직사각형 59"/>
+          <p:cNvSpPr/>
+          <p:nvPr/>
+        </p:nvSpPr>
+        <p:spPr>
+          <a:xfrm>
+            <a:off x="6133608" y="922476"/>
+            <a:ext cx="257897" cy="178948"/>
+          </a:xfrm>
+          <a:prstGeom prst="rect">
+            <a:avLst/>
+          </a:prstGeom>
+          <a:solidFill>
+            <a:srgbClr val="FFFF00"/>
+          </a:solidFill>
+        </p:spPr>
+        <p:style>
+          <a:lnRef idx="2">
+            <a:schemeClr val="accent1">
+              <a:shade val="50000"/>
+            </a:schemeClr>
+          </a:lnRef>
+          <a:fillRef idx="1">
+            <a:schemeClr val="accent1"/>
+          </a:fillRef>
+          <a:effectRef idx="0">
+            <a:schemeClr val="accent1"/>
+          </a:effectRef>
+          <a:fontRef idx="minor">
+            <a:schemeClr val="lt1"/>
+          </a:fontRef>
+        </p:style>
+        <p:txBody>
+          <a:bodyPr rtlCol="0" anchor="ctr"/>
+          <a:lstStyle/>
+          <a:p>
+            <a:pPr algn="ctr"/>
+            <a:r>
+              <a:rPr lang="en-US" altLang="ko-KR" sz="1400" b="1" dirty="0">
+                <a:solidFill>
+                  <a:schemeClr val="tx1"/>
+                </a:solidFill>
+              </a:rPr>
+              <a:t>L</a:t>
+            </a:r>
+            <a:endParaRPr lang="ko-KR" altLang="en-US" sz="1400" b="1" dirty="0">
+              <a:solidFill>
+                <a:schemeClr val="tx1"/>
+              </a:solidFill>
+            </a:endParaRPr>
+          </a:p>
+        </p:txBody>
+      </p:sp>
+      <p:sp>
+        <p:nvSpPr>
+          <p:cNvPr id="61" name="직사각형 60"/>
+          <p:cNvSpPr/>
+          <p:nvPr/>
+        </p:nvSpPr>
+        <p:spPr>
+          <a:xfrm>
+            <a:off x="7191141" y="188213"/>
+            <a:ext cx="958362" cy="958362"/>
+          </a:xfrm>
+          <a:prstGeom prst="rect">
+            <a:avLst/>
+          </a:prstGeom>
+          <a:noFill/>
+        </p:spPr>
+        <p:style>
+          <a:lnRef idx="2">
+            <a:schemeClr val="accent1">
+              <a:shade val="50000"/>
+            </a:schemeClr>
+          </a:lnRef>
+          <a:fillRef idx="1">
+            <a:schemeClr val="accent1"/>
+          </a:fillRef>
+          <a:effectRef idx="0">
+            <a:schemeClr val="accent1"/>
+          </a:effectRef>
+          <a:fontRef idx="minor">
+            <a:schemeClr val="lt1"/>
+          </a:fontRef>
+        </p:style>
+        <p:txBody>
+          <a:bodyPr rtlCol="0" anchor="ctr"/>
+          <a:lstStyle/>
+          <a:p>
+            <a:pPr algn="ctr"/>
+            <a:endParaRPr lang="ko-KR" altLang="en-US"/>
+          </a:p>
+        </p:txBody>
+      </p:sp>
+      <p:sp>
+        <p:nvSpPr>
+          <p:cNvPr id="62" name="직사각형 61"/>
+          <p:cNvSpPr/>
+          <p:nvPr/>
+        </p:nvSpPr>
+        <p:spPr>
+          <a:xfrm>
+            <a:off x="8330718" y="186104"/>
+            <a:ext cx="958362" cy="958362"/>
+          </a:xfrm>
+          <a:prstGeom prst="rect">
+            <a:avLst/>
+          </a:prstGeom>
+          <a:noFill/>
+        </p:spPr>
+        <p:style>
+          <a:lnRef idx="2">
+            <a:schemeClr val="accent1">
+              <a:shade val="50000"/>
+            </a:schemeClr>
+          </a:lnRef>
+          <a:fillRef idx="1">
+            <a:schemeClr val="accent1"/>
+          </a:fillRef>
+          <a:effectRef idx="0">
+            <a:schemeClr val="accent1"/>
+          </a:effectRef>
+          <a:fontRef idx="minor">
+            <a:schemeClr val="lt1"/>
+          </a:fontRef>
+        </p:style>
+        <p:txBody>
+          <a:bodyPr rtlCol="0" anchor="ctr"/>
+          <a:lstStyle/>
+          <a:p>
+            <a:pPr algn="ctr"/>
+            <a:endParaRPr lang="ko-KR" altLang="en-US"/>
+          </a:p>
+        </p:txBody>
+      </p:sp>
+      <p:sp>
+        <p:nvSpPr>
+          <p:cNvPr id="19" name="타원 18"/>
+          <p:cNvSpPr/>
+          <p:nvPr/>
+        </p:nvSpPr>
+        <p:spPr>
+          <a:xfrm>
+            <a:off x="8581808" y="453313"/>
+            <a:ext cx="456181" cy="456181"/>
+          </a:xfrm>
+          <a:prstGeom prst="ellipse">
+            <a:avLst/>
+          </a:prstGeom>
+          <a:noFill/>
+          <a:ln w="57150">
+            <a:solidFill>
+              <a:srgbClr val="00B050"/>
+            </a:solidFill>
+          </a:ln>
+        </p:spPr>
+        <p:style>
+          <a:lnRef idx="2">
+            <a:schemeClr val="accent1">
+              <a:shade val="50000"/>
+            </a:schemeClr>
+          </a:lnRef>
+          <a:fillRef idx="1">
+            <a:schemeClr val="accent1"/>
+          </a:fillRef>
+          <a:effectRef idx="0">
+            <a:schemeClr val="accent1"/>
+          </a:effectRef>
+          <a:fontRef idx="minor">
+            <a:schemeClr val="lt1"/>
+          </a:fontRef>
+        </p:style>
+        <p:txBody>
+          <a:bodyPr rtlCol="0" anchor="ctr"/>
+          <a:lstStyle/>
+          <a:p>
+            <a:pPr algn="ctr"/>
+            <a:endParaRPr lang="ko-KR" altLang="en-US"/>
+          </a:p>
+        </p:txBody>
+      </p:sp>
+      <p:cxnSp>
+        <p:nvCxnSpPr>
+          <p:cNvPr id="22" name="직선 연결선 21"/>
+          <p:cNvCxnSpPr/>
+          <p:nvPr/>
+        </p:nvCxnSpPr>
+        <p:spPr>
+          <a:xfrm flipV="1">
+            <a:off x="7455402" y="439504"/>
+            <a:ext cx="429840" cy="451562"/>
+          </a:xfrm>
+          <a:prstGeom prst="line">
+            <a:avLst/>
+          </a:prstGeom>
+          <a:ln w="57150">
+            <a:solidFill>
+              <a:srgbClr val="FF0000"/>
+            </a:solidFill>
+          </a:ln>
+        </p:spPr>
+        <p:style>
+          <a:lnRef idx="1">
+            <a:schemeClr val="accent1"/>
+          </a:lnRef>
+          <a:fillRef idx="0">
+            <a:schemeClr val="accent1"/>
+          </a:fillRef>
+          <a:effectRef idx="0">
+            <a:schemeClr val="accent1"/>
+          </a:effectRef>
+          <a:fontRef idx="minor">
+            <a:schemeClr val="tx1"/>
+          </a:fontRef>
+        </p:style>
+      </p:cxnSp>
+      <p:cxnSp>
+        <p:nvCxnSpPr>
+          <p:cNvPr id="39" name="직선 연결선 38"/>
+          <p:cNvCxnSpPr/>
+          <p:nvPr/>
+        </p:nvCxnSpPr>
+        <p:spPr>
+          <a:xfrm>
+            <a:off x="7455402" y="453313"/>
+            <a:ext cx="447424" cy="447424"/>
+          </a:xfrm>
+          <a:prstGeom prst="line">
+            <a:avLst/>
+          </a:prstGeom>
+          <a:ln w="57150">
+            <a:solidFill>
+              <a:srgbClr val="FF0000"/>
+            </a:solidFill>
+          </a:ln>
+        </p:spPr>
+        <p:style>
+          <a:lnRef idx="1">
+            <a:schemeClr val="accent1"/>
+          </a:lnRef>
+          <a:fillRef idx="0">
+            <a:schemeClr val="accent1"/>
+          </a:fillRef>
+          <a:effectRef idx="0">
+            <a:schemeClr val="accent1"/>
+          </a:effectRef>
+          <a:fontRef idx="minor">
+            <a:schemeClr val="tx1"/>
+          </a:fontRef>
+        </p:style>
+      </p:cxnSp>
+      <p:sp>
+        <p:nvSpPr>
+          <p:cNvPr id="66" name="직사각형 65"/>
+          <p:cNvSpPr/>
+          <p:nvPr/>
+        </p:nvSpPr>
+        <p:spPr>
+          <a:xfrm>
+            <a:off x="9470295" y="186104"/>
+            <a:ext cx="958362" cy="958362"/>
+          </a:xfrm>
+          <a:prstGeom prst="rect">
+            <a:avLst/>
+          </a:prstGeom>
+          <a:noFill/>
+        </p:spPr>
+        <p:style>
+          <a:lnRef idx="2">
+            <a:schemeClr val="accent1">
+              <a:shade val="50000"/>
+            </a:schemeClr>
+          </a:lnRef>
+          <a:fillRef idx="1">
+            <a:schemeClr val="accent1"/>
+          </a:fillRef>
+          <a:effectRef idx="0">
+            <a:schemeClr val="accent1"/>
+          </a:effectRef>
+          <a:fontRef idx="minor">
+            <a:schemeClr val="lt1"/>
+          </a:fontRef>
+        </p:style>
+        <p:txBody>
+          <a:bodyPr rtlCol="0" anchor="ctr"/>
+          <a:lstStyle/>
+          <a:p>
+            <a:pPr algn="ctr"/>
+            <a:endParaRPr lang="ko-KR" altLang="en-US"/>
+          </a:p>
+        </p:txBody>
+      </p:sp>
+      <p:pic>
+        <p:nvPicPr>
+          <p:cNvPr id="41" name="그림 40"/>
+          <p:cNvPicPr>
+            <a:picLocks noChangeAspect="1"/>
+          </p:cNvPicPr>
+          <p:nvPr/>
+        </p:nvPicPr>
+        <p:blipFill>
+          <a:blip r:embed="rId8" cstate="print">
+            <a:extLst>
+              <a:ext uri="{28A0092B-C50C-407E-A947-70E740481C1C}">
+                <a14:useLocalDpi xmlns:a14="http://schemas.microsoft.com/office/drawing/2010/main" val="0"/>
+              </a:ext>
+            </a:extLst>
+          </a:blip>
+          <a:stretch>
+            <a:fillRect/>
+          </a:stretch>
+        </p:blipFill>
+        <p:spPr>
+          <a:xfrm>
+            <a:off x="9441720" y="786521"/>
+            <a:ext cx="996435" cy="253930"/>
+          </a:xfrm>
+          <a:prstGeom prst="rect">
+            <a:avLst/>
+          </a:prstGeom>
+        </p:spPr>
+      </p:pic>
+      <p:pic>
+        <p:nvPicPr>
+          <p:cNvPr id="42" name="그림 41"/>
+          <p:cNvPicPr>
+            <a:picLocks noChangeAspect="1"/>
+          </p:cNvPicPr>
+          <p:nvPr/>
+        </p:nvPicPr>
+        <p:blipFill>
+          <a:blip r:embed="rId9">
+            <a:extLst>
+              <a:ext uri="{28A0092B-C50C-407E-A947-70E740481C1C}">
+                <a14:useLocalDpi xmlns:a14="http://schemas.microsoft.com/office/drawing/2010/main" val="0"/>
+              </a:ext>
+            </a:extLst>
+          </a:blip>
+          <a:stretch>
+            <a:fillRect/>
+          </a:stretch>
+        </p:blipFill>
+        <p:spPr>
+          <a:xfrm>
+            <a:off x="9838314" y="566011"/>
+            <a:ext cx="203246" cy="203246"/>
+          </a:xfrm>
+          <a:prstGeom prst="rect">
+            <a:avLst/>
+          </a:prstGeom>
+        </p:spPr>
+      </p:pic>
+      <p:sp>
+        <p:nvSpPr>
+          <p:cNvPr id="77" name="모서리가 둥근 직사각형 76"/>
+          <p:cNvSpPr/>
+          <p:nvPr/>
+        </p:nvSpPr>
+        <p:spPr>
+          <a:xfrm>
+            <a:off x="9508394" y="337038"/>
+            <a:ext cx="891688" cy="744416"/>
+          </a:xfrm>
+          <a:prstGeom prst="roundRect">
+            <a:avLst/>
+          </a:prstGeom>
+          <a:noFill/>
+          <a:ln w="22225">
+            <a:solidFill>
+              <a:srgbClr val="FF0000"/>
+            </a:solidFill>
+            <a:prstDash val="solid"/>
+          </a:ln>
+        </p:spPr>
+        <p:style>
+          <a:lnRef idx="2">
+            <a:schemeClr val="accent1">
+              <a:shade val="50000"/>
+            </a:schemeClr>
+          </a:lnRef>
+          <a:fillRef idx="1">
+            <a:schemeClr val="accent1"/>
+          </a:fillRef>
+          <a:effectRef idx="0">
+            <a:schemeClr val="accent1"/>
+          </a:effectRef>
+          <a:fontRef idx="minor">
+            <a:schemeClr val="lt1"/>
+          </a:fontRef>
+        </p:style>
+        <p:txBody>
+          <a:bodyPr rtlCol="0" anchor="ctr"/>
+          <a:lstStyle/>
+          <a:p>
+            <a:pPr algn="ctr"/>
+            <a:endParaRPr lang="ko-KR" altLang="en-US"/>
+          </a:p>
+        </p:txBody>
+      </p:sp>
+      <p:pic>
+        <p:nvPicPr>
+          <p:cNvPr id="43" name="그림 42"/>
+          <p:cNvPicPr>
+            <a:picLocks noChangeAspect="1"/>
+          </p:cNvPicPr>
+          <p:nvPr/>
+        </p:nvPicPr>
+        <p:blipFill>
+          <a:blip r:embed="rId10">
+            <a:extLst>
+              <a:ext uri="{28A0092B-C50C-407E-A947-70E740481C1C}">
+                <a14:useLocalDpi xmlns:a14="http://schemas.microsoft.com/office/drawing/2010/main" val="0"/>
+              </a:ext>
+            </a:extLst>
+          </a:blip>
+          <a:stretch>
+            <a:fillRect/>
+          </a:stretch>
+        </p:blipFill>
+        <p:spPr>
+          <a:xfrm>
+            <a:off x="9568445" y="280383"/>
+            <a:ext cx="279365" cy="279365"/>
+          </a:xfrm>
+          <a:prstGeom prst="rect">
+            <a:avLst/>
+          </a:prstGeom>
+        </p:spPr>
+      </p:pic>
+      <p:sp>
+        <p:nvSpPr>
+          <p:cNvPr id="78" name="직사각형 77"/>
+          <p:cNvSpPr/>
+          <p:nvPr/>
+        </p:nvSpPr>
+        <p:spPr>
+          <a:xfrm>
+            <a:off x="276957" y="1351086"/>
+            <a:ext cx="958362" cy="958362"/>
+          </a:xfrm>
+          <a:prstGeom prst="rect">
+            <a:avLst/>
+          </a:prstGeom>
+          <a:noFill/>
+        </p:spPr>
+        <p:style>
+          <a:lnRef idx="2">
+            <a:schemeClr val="accent1">
+              <a:shade val="50000"/>
+            </a:schemeClr>
+          </a:lnRef>
+          <a:fillRef idx="1">
+            <a:schemeClr val="accent1"/>
+          </a:fillRef>
+          <a:effectRef idx="0">
+            <a:schemeClr val="accent1"/>
+          </a:effectRef>
+          <a:fontRef idx="minor">
+            <a:schemeClr val="lt1"/>
+          </a:fontRef>
+        </p:style>
+        <p:txBody>
+          <a:bodyPr rtlCol="0" anchor="ctr"/>
+          <a:lstStyle/>
+          <a:p>
+            <a:pPr algn="ctr"/>
+            <a:endParaRPr lang="ko-KR" altLang="en-US"/>
+          </a:p>
+        </p:txBody>
+      </p:sp>
+      <p:pic>
+        <p:nvPicPr>
+          <p:cNvPr id="79" name="그림 78"/>
+          <p:cNvPicPr>
+            <a:picLocks noChangeAspect="1"/>
+          </p:cNvPicPr>
+          <p:nvPr/>
+        </p:nvPicPr>
+        <p:blipFill>
+          <a:blip r:embed="rId2" cstate="print">
+            <a:extLst>
+              <a:ext uri="{28A0092B-C50C-407E-A947-70E740481C1C}">
+                <a14:useLocalDpi xmlns:a14="http://schemas.microsoft.com/office/drawing/2010/main" val="0"/>
+              </a:ext>
+            </a:extLst>
+          </a:blip>
+          <a:stretch>
+            <a:fillRect/>
+          </a:stretch>
+        </p:blipFill>
+        <p:spPr>
+          <a:xfrm>
+            <a:off x="335679" y="1630383"/>
+            <a:ext cx="750171" cy="562627"/>
+          </a:xfrm>
+          <a:prstGeom prst="rect">
+            <a:avLst/>
+          </a:prstGeom>
+        </p:spPr>
+      </p:pic>
+      <p:pic>
+        <p:nvPicPr>
+          <p:cNvPr id="80" name="그림 79"/>
+          <p:cNvPicPr>
+            <a:picLocks noChangeAspect="1"/>
+          </p:cNvPicPr>
+          <p:nvPr/>
+        </p:nvPicPr>
+        <p:blipFill>
+          <a:blip r:embed="rId11">
+            <a:extLst>
+              <a:ext uri="{28A0092B-C50C-407E-A947-70E740481C1C}">
+                <a14:useLocalDpi xmlns:a14="http://schemas.microsoft.com/office/drawing/2010/main" val="0"/>
+              </a:ext>
+            </a:extLst>
+          </a:blip>
+          <a:stretch>
+            <a:fillRect/>
+          </a:stretch>
+        </p:blipFill>
+        <p:spPr>
+          <a:xfrm>
+            <a:off x="718038" y="1447129"/>
+            <a:ext cx="450153" cy="450153"/>
+          </a:xfrm>
+          <a:prstGeom prst="rect">
+            <a:avLst/>
+          </a:prstGeom>
+        </p:spPr>
+      </p:pic>
+      <p:pic>
+        <p:nvPicPr>
+          <p:cNvPr id="82" name="그림 81"/>
+          <p:cNvPicPr>
+            <a:picLocks noChangeAspect="1"/>
+          </p:cNvPicPr>
+          <p:nvPr/>
+        </p:nvPicPr>
+        <p:blipFill>
+          <a:blip r:embed="rId12">
+            <a:extLst>
+              <a:ext uri="{28A0092B-C50C-407E-A947-70E740481C1C}">
+                <a14:useLocalDpi xmlns:a14="http://schemas.microsoft.com/office/drawing/2010/main" val="0"/>
+              </a:ext>
+            </a:extLst>
+          </a:blip>
+          <a:stretch>
+            <a:fillRect/>
+          </a:stretch>
+        </p:blipFill>
+        <p:spPr>
+          <a:xfrm>
+            <a:off x="4280385" y="1505940"/>
+            <a:ext cx="379262" cy="379262"/>
+          </a:xfrm>
+          <a:prstGeom prst="rect">
+            <a:avLst/>
+          </a:prstGeom>
+        </p:spPr>
+      </p:pic>
+      <p:pic>
+        <p:nvPicPr>
+          <p:cNvPr id="83" name="그림 82"/>
+          <p:cNvPicPr>
+            <a:picLocks noChangeAspect="1"/>
+          </p:cNvPicPr>
+          <p:nvPr/>
+        </p:nvPicPr>
+        <p:blipFill>
+          <a:blip r:embed="rId13">
+            <a:extLst>
+              <a:ext uri="{28A0092B-C50C-407E-A947-70E740481C1C}">
+                <a14:useLocalDpi xmlns:a14="http://schemas.microsoft.com/office/drawing/2010/main" val="0"/>
+              </a:ext>
+            </a:extLst>
+          </a:blip>
+          <a:stretch>
+            <a:fillRect/>
+          </a:stretch>
+        </p:blipFill>
+        <p:spPr>
+          <a:xfrm>
+            <a:off x="5396556" y="1505940"/>
+            <a:ext cx="406349" cy="406349"/>
+          </a:xfrm>
+          <a:prstGeom prst="rect">
+            <a:avLst/>
+          </a:prstGeom>
+        </p:spPr>
+      </p:pic>
+      <p:pic>
+        <p:nvPicPr>
+          <p:cNvPr id="84" name="그림 83"/>
+          <p:cNvPicPr>
+            <a:picLocks noChangeAspect="1"/>
+          </p:cNvPicPr>
+          <p:nvPr/>
+        </p:nvPicPr>
+        <p:blipFill>
+          <a:blip r:embed="rId14">
+            <a:extLst>
+              <a:ext uri="{28A0092B-C50C-407E-A947-70E740481C1C}">
+                <a14:useLocalDpi xmlns:a14="http://schemas.microsoft.com/office/drawing/2010/main" val="0"/>
+              </a:ext>
+            </a:extLst>
+          </a:blip>
+          <a:stretch>
+            <a:fillRect/>
+          </a:stretch>
+        </p:blipFill>
+        <p:spPr>
+          <a:xfrm>
+            <a:off x="3070721" y="1478853"/>
+            <a:ext cx="406349" cy="406349"/>
+          </a:xfrm>
+          <a:prstGeom prst="rect">
+            <a:avLst/>
+          </a:prstGeom>
+        </p:spPr>
+      </p:pic>
+      <p:sp>
+        <p:nvSpPr>
+          <p:cNvPr id="106" name="직사각형 105"/>
+          <p:cNvSpPr/>
+          <p:nvPr/>
+        </p:nvSpPr>
+        <p:spPr>
+          <a:xfrm>
+            <a:off x="1430216" y="1351086"/>
+            <a:ext cx="958362" cy="958362"/>
+          </a:xfrm>
+          <a:prstGeom prst="rect">
+            <a:avLst/>
+          </a:prstGeom>
+          <a:noFill/>
+        </p:spPr>
+        <p:style>
+          <a:lnRef idx="2">
+            <a:schemeClr val="accent1">
+              <a:shade val="50000"/>
+            </a:schemeClr>
+          </a:lnRef>
+          <a:fillRef idx="1">
+            <a:schemeClr val="accent1"/>
+          </a:fillRef>
+          <a:effectRef idx="0">
+            <a:schemeClr val="accent1"/>
+          </a:effectRef>
+          <a:fontRef idx="minor">
+            <a:schemeClr val="lt1"/>
+          </a:fontRef>
+        </p:style>
+        <p:txBody>
+          <a:bodyPr rtlCol="0" anchor="ctr"/>
+          <a:lstStyle/>
+          <a:p>
+            <a:pPr algn="ctr"/>
+            <a:endParaRPr lang="ko-KR" altLang="en-US"/>
+          </a:p>
+        </p:txBody>
+      </p:sp>
+      <p:pic>
+        <p:nvPicPr>
+          <p:cNvPr id="107" name="그림 106"/>
+          <p:cNvPicPr>
+            <a:picLocks noChangeAspect="1"/>
+          </p:cNvPicPr>
+          <p:nvPr/>
+        </p:nvPicPr>
+        <p:blipFill>
+          <a:blip r:embed="rId2" cstate="print">
+            <a:extLst>
+              <a:ext uri="{28A0092B-C50C-407E-A947-70E740481C1C}">
+                <a14:useLocalDpi xmlns:a14="http://schemas.microsoft.com/office/drawing/2010/main" val="0"/>
+              </a:ext>
+            </a:extLst>
+          </a:blip>
+          <a:stretch>
+            <a:fillRect/>
+          </a:stretch>
+        </p:blipFill>
+        <p:spPr>
+          <a:xfrm>
+            <a:off x="1488938" y="1630383"/>
+            <a:ext cx="750171" cy="562627"/>
+          </a:xfrm>
+          <a:prstGeom prst="rect">
+            <a:avLst/>
+          </a:prstGeom>
+        </p:spPr>
+      </p:pic>
+      <p:sp>
+        <p:nvSpPr>
+          <p:cNvPr id="109" name="직사각형 108"/>
+          <p:cNvSpPr/>
+          <p:nvPr/>
+        </p:nvSpPr>
+        <p:spPr>
+          <a:xfrm>
+            <a:off x="2583475" y="1351086"/>
+            <a:ext cx="958362" cy="958362"/>
+          </a:xfrm>
+          <a:prstGeom prst="rect">
+            <a:avLst/>
+          </a:prstGeom>
+          <a:noFill/>
+        </p:spPr>
+        <p:style>
+          <a:lnRef idx="2">
+            <a:schemeClr val="accent1">
+              <a:shade val="50000"/>
+            </a:schemeClr>
+          </a:lnRef>
+          <a:fillRef idx="1">
+            <a:schemeClr val="accent1"/>
+          </a:fillRef>
+          <a:effectRef idx="0">
+            <a:schemeClr val="accent1"/>
+          </a:effectRef>
+          <a:fontRef idx="minor">
+            <a:schemeClr val="lt1"/>
+          </a:fontRef>
+        </p:style>
+        <p:txBody>
+          <a:bodyPr rtlCol="0" anchor="ctr"/>
+          <a:lstStyle/>
+          <a:p>
+            <a:pPr algn="ctr"/>
+            <a:endParaRPr lang="ko-KR" altLang="en-US"/>
+          </a:p>
+        </p:txBody>
+      </p:sp>
+      <p:sp>
+        <p:nvSpPr>
+          <p:cNvPr id="112" name="직사각형 111"/>
+          <p:cNvSpPr/>
+          <p:nvPr/>
+        </p:nvSpPr>
+        <p:spPr>
+          <a:xfrm>
+            <a:off x="3736734" y="1351086"/>
+            <a:ext cx="958362" cy="958362"/>
+          </a:xfrm>
+          <a:prstGeom prst="rect">
+            <a:avLst/>
+          </a:prstGeom>
+          <a:noFill/>
+        </p:spPr>
+        <p:style>
+          <a:lnRef idx="2">
+            <a:schemeClr val="accent1">
+              <a:shade val="50000"/>
+            </a:schemeClr>
+          </a:lnRef>
+          <a:fillRef idx="1">
+            <a:schemeClr val="accent1"/>
+          </a:fillRef>
+          <a:effectRef idx="0">
+            <a:schemeClr val="accent1"/>
+          </a:effectRef>
+          <a:fontRef idx="minor">
+            <a:schemeClr val="lt1"/>
+          </a:fontRef>
+        </p:style>
+        <p:txBody>
+          <a:bodyPr rtlCol="0" anchor="ctr"/>
+          <a:lstStyle/>
+          <a:p>
+            <a:pPr algn="ctr"/>
+            <a:endParaRPr lang="ko-KR" altLang="en-US"/>
+          </a:p>
+        </p:txBody>
+      </p:sp>
+      <p:sp>
+        <p:nvSpPr>
+          <p:cNvPr id="115" name="직사각형 114"/>
+          <p:cNvSpPr/>
+          <p:nvPr/>
+        </p:nvSpPr>
+        <p:spPr>
+          <a:xfrm>
+            <a:off x="4889993" y="1351086"/>
+            <a:ext cx="958362" cy="958362"/>
+          </a:xfrm>
+          <a:prstGeom prst="rect">
+            <a:avLst/>
+          </a:prstGeom>
+          <a:noFill/>
+        </p:spPr>
+        <p:style>
+          <a:lnRef idx="2">
+            <a:schemeClr val="accent1">
+              <a:shade val="50000"/>
+            </a:schemeClr>
+          </a:lnRef>
+          <a:fillRef idx="1">
+            <a:schemeClr val="accent1"/>
+          </a:fillRef>
+          <a:effectRef idx="0">
+            <a:schemeClr val="accent1"/>
+          </a:effectRef>
+          <a:fontRef idx="minor">
+            <a:schemeClr val="lt1"/>
+          </a:fontRef>
+        </p:style>
+        <p:txBody>
+          <a:bodyPr rtlCol="0" anchor="ctr"/>
+          <a:lstStyle/>
+          <a:p>
+            <a:pPr algn="ctr"/>
+            <a:endParaRPr lang="ko-KR" altLang="en-US"/>
+          </a:p>
+        </p:txBody>
+      </p:sp>
+      <p:pic>
+        <p:nvPicPr>
+          <p:cNvPr id="118" name="그림 117"/>
+          <p:cNvPicPr>
+            <a:picLocks noChangeAspect="1"/>
+          </p:cNvPicPr>
+          <p:nvPr/>
+        </p:nvPicPr>
+        <p:blipFill>
+          <a:blip r:embed="rId15">
+            <a:extLst>
+              <a:ext uri="{28A0092B-C50C-407E-A947-70E740481C1C}">
+                <a14:useLocalDpi xmlns:a14="http://schemas.microsoft.com/office/drawing/2010/main" val="0"/>
+              </a:ext>
+            </a:extLst>
+          </a:blip>
+          <a:stretch>
+            <a:fillRect/>
+          </a:stretch>
+        </p:blipFill>
+        <p:spPr>
+          <a:xfrm>
+            <a:off x="1940673" y="1478667"/>
+            <a:ext cx="447905" cy="447905"/>
+          </a:xfrm>
+          <a:prstGeom prst="rect">
+            <a:avLst/>
+          </a:prstGeom>
+        </p:spPr>
+      </p:pic>
     </p:spTree>
     <p:extLst>
       <p:ext uri="{BB962C8B-B14F-4D97-AF65-F5344CB8AC3E}">

--- a/icon.pptx
+++ b/icon.pptx
@@ -243,7 +243,7 @@
           <a:p>
             <a:fld id="{BE758C31-3EEB-4FE5-8015-AD225EFEF5CD}" type="datetimeFigureOut">
               <a:rPr lang="ko-KR" altLang="en-US" smtClean="0"/>
-              <a:t>2020-05-06</a:t>
+              <a:t>2020-06-04</a:t>
             </a:fld>
             <a:endParaRPr lang="ko-KR" altLang="en-US"/>
           </a:p>
@@ -413,7 +413,7 @@
           <a:p>
             <a:fld id="{BE758C31-3EEB-4FE5-8015-AD225EFEF5CD}" type="datetimeFigureOut">
               <a:rPr lang="ko-KR" altLang="en-US" smtClean="0"/>
-              <a:t>2020-05-06</a:t>
+              <a:t>2020-06-04</a:t>
             </a:fld>
             <a:endParaRPr lang="ko-KR" altLang="en-US"/>
           </a:p>
@@ -593,7 +593,7 @@
           <a:p>
             <a:fld id="{BE758C31-3EEB-4FE5-8015-AD225EFEF5CD}" type="datetimeFigureOut">
               <a:rPr lang="ko-KR" altLang="en-US" smtClean="0"/>
-              <a:t>2020-05-06</a:t>
+              <a:t>2020-06-04</a:t>
             </a:fld>
             <a:endParaRPr lang="ko-KR" altLang="en-US"/>
           </a:p>
@@ -763,7 +763,7 @@
           <a:p>
             <a:fld id="{BE758C31-3EEB-4FE5-8015-AD225EFEF5CD}" type="datetimeFigureOut">
               <a:rPr lang="ko-KR" altLang="en-US" smtClean="0"/>
-              <a:t>2020-05-06</a:t>
+              <a:t>2020-06-04</a:t>
             </a:fld>
             <a:endParaRPr lang="ko-KR" altLang="en-US"/>
           </a:p>
@@ -1009,7 +1009,7 @@
           <a:p>
             <a:fld id="{BE758C31-3EEB-4FE5-8015-AD225EFEF5CD}" type="datetimeFigureOut">
               <a:rPr lang="ko-KR" altLang="en-US" smtClean="0"/>
-              <a:t>2020-05-06</a:t>
+              <a:t>2020-06-04</a:t>
             </a:fld>
             <a:endParaRPr lang="ko-KR" altLang="en-US"/>
           </a:p>
@@ -1241,7 +1241,7 @@
           <a:p>
             <a:fld id="{BE758C31-3EEB-4FE5-8015-AD225EFEF5CD}" type="datetimeFigureOut">
               <a:rPr lang="ko-KR" altLang="en-US" smtClean="0"/>
-              <a:t>2020-05-06</a:t>
+              <a:t>2020-06-04</a:t>
             </a:fld>
             <a:endParaRPr lang="ko-KR" altLang="en-US"/>
           </a:p>
@@ -1608,7 +1608,7 @@
           <a:p>
             <a:fld id="{BE758C31-3EEB-4FE5-8015-AD225EFEF5CD}" type="datetimeFigureOut">
               <a:rPr lang="ko-KR" altLang="en-US" smtClean="0"/>
-              <a:t>2020-05-06</a:t>
+              <a:t>2020-06-04</a:t>
             </a:fld>
             <a:endParaRPr lang="ko-KR" altLang="en-US"/>
           </a:p>
@@ -1726,7 +1726,7 @@
           <a:p>
             <a:fld id="{BE758C31-3EEB-4FE5-8015-AD225EFEF5CD}" type="datetimeFigureOut">
               <a:rPr lang="ko-KR" altLang="en-US" smtClean="0"/>
-              <a:t>2020-05-06</a:t>
+              <a:t>2020-06-04</a:t>
             </a:fld>
             <a:endParaRPr lang="ko-KR" altLang="en-US"/>
           </a:p>
@@ -1821,7 +1821,7 @@
           <a:p>
             <a:fld id="{BE758C31-3EEB-4FE5-8015-AD225EFEF5CD}" type="datetimeFigureOut">
               <a:rPr lang="ko-KR" altLang="en-US" smtClean="0"/>
-              <a:t>2020-05-06</a:t>
+              <a:t>2020-06-04</a:t>
             </a:fld>
             <a:endParaRPr lang="ko-KR" altLang="en-US"/>
           </a:p>
@@ -2098,7 +2098,7 @@
           <a:p>
             <a:fld id="{BE758C31-3EEB-4FE5-8015-AD225EFEF5CD}" type="datetimeFigureOut">
               <a:rPr lang="ko-KR" altLang="en-US" smtClean="0"/>
-              <a:t>2020-05-06</a:t>
+              <a:t>2020-06-04</a:t>
             </a:fld>
             <a:endParaRPr lang="ko-KR" altLang="en-US"/>
           </a:p>
@@ -2351,7 +2351,7 @@
           <a:p>
             <a:fld id="{BE758C31-3EEB-4FE5-8015-AD225EFEF5CD}" type="datetimeFigureOut">
               <a:rPr lang="ko-KR" altLang="en-US" smtClean="0"/>
-              <a:t>2020-05-06</a:t>
+              <a:t>2020-06-04</a:t>
             </a:fld>
             <a:endParaRPr lang="ko-KR" altLang="en-US"/>
           </a:p>
@@ -2564,7 +2564,7 @@
           <a:p>
             <a:fld id="{BE758C31-3EEB-4FE5-8015-AD225EFEF5CD}" type="datetimeFigureOut">
               <a:rPr lang="ko-KR" altLang="en-US" smtClean="0"/>
-              <a:t>2020-05-06</a:t>
+              <a:t>2020-06-04</a:t>
             </a:fld>
             <a:endParaRPr lang="ko-KR" altLang="en-US"/>
           </a:p>
@@ -2971,7 +2971,7 @@
       </p:grpSpPr>
       <p:pic>
         <p:nvPicPr>
-          <p:cNvPr id="116" name="그림 115"/>
+          <p:cNvPr id="123" name="그림 122"/>
           <p:cNvPicPr>
             <a:picLocks noChangeAspect="1"/>
           </p:cNvPicPr>
@@ -2991,8 +2991,8 @@
         </p:blipFill>
         <p:spPr>
           <a:xfrm>
-            <a:off x="4948715" y="1630383"/>
-            <a:ext cx="750171" cy="562627"/>
+            <a:off x="2642197" y="2579220"/>
+            <a:ext cx="862992" cy="802155"/>
           </a:xfrm>
           <a:prstGeom prst="rect">
             <a:avLst/>
@@ -3001,7 +3001,7 @@
       </p:pic>
       <p:pic>
         <p:nvPicPr>
-          <p:cNvPr id="113" name="그림 112"/>
+          <p:cNvPr id="122" name="그림 121"/>
           <p:cNvPicPr>
             <a:picLocks noChangeAspect="1"/>
           </p:cNvPicPr>
@@ -3021,8 +3021,8 @@
         </p:blipFill>
         <p:spPr>
           <a:xfrm>
-            <a:off x="3795456" y="1630383"/>
-            <a:ext cx="750171" cy="562627"/>
+            <a:off x="1485572" y="2579220"/>
+            <a:ext cx="862992" cy="802155"/>
           </a:xfrm>
           <a:prstGeom prst="rect">
             <a:avLst/>
@@ -3031,7 +3031,7 @@
       </p:pic>
       <p:pic>
         <p:nvPicPr>
-          <p:cNvPr id="110" name="그림 109"/>
+          <p:cNvPr id="64" name="그림 63"/>
           <p:cNvPicPr>
             <a:picLocks noChangeAspect="1"/>
           </p:cNvPicPr>
@@ -3051,6 +3051,142 @@
         </p:blipFill>
         <p:spPr>
           <a:xfrm>
+            <a:off x="339686" y="2579220"/>
+            <a:ext cx="862992" cy="802155"/>
+          </a:xfrm>
+          <a:prstGeom prst="rect">
+            <a:avLst/>
+          </a:prstGeom>
+        </p:spPr>
+      </p:pic>
+      <p:sp>
+        <p:nvSpPr>
+          <p:cNvPr id="35" name="모서리가 둥근 직사각형 34"/>
+          <p:cNvSpPr/>
+          <p:nvPr/>
+        </p:nvSpPr>
+        <p:spPr>
+          <a:xfrm>
+            <a:off x="9606147" y="1530937"/>
+            <a:ext cx="661762" cy="564563"/>
+          </a:xfrm>
+          <a:prstGeom prst="roundRect">
+            <a:avLst/>
+          </a:prstGeom>
+          <a:noFill/>
+          <a:ln w="28575">
+            <a:solidFill>
+              <a:srgbClr val="FF0000"/>
+            </a:solidFill>
+          </a:ln>
+        </p:spPr>
+        <p:style>
+          <a:lnRef idx="2">
+            <a:schemeClr val="accent1">
+              <a:shade val="50000"/>
+            </a:schemeClr>
+          </a:lnRef>
+          <a:fillRef idx="1">
+            <a:schemeClr val="accent1"/>
+          </a:fillRef>
+          <a:effectRef idx="0">
+            <a:schemeClr val="accent1"/>
+          </a:effectRef>
+          <a:fontRef idx="minor">
+            <a:schemeClr val="lt1"/>
+          </a:fontRef>
+        </p:style>
+        <p:txBody>
+          <a:bodyPr rtlCol="0" anchor="ctr"/>
+          <a:lstStyle/>
+          <a:p>
+            <a:pPr algn="ctr"/>
+            <a:endParaRPr lang="ko-KR" altLang="en-US"/>
+          </a:p>
+        </p:txBody>
+      </p:sp>
+      <p:pic>
+        <p:nvPicPr>
+          <p:cNvPr id="116" name="그림 115"/>
+          <p:cNvPicPr>
+            <a:picLocks noChangeAspect="1"/>
+          </p:cNvPicPr>
+          <p:nvPr/>
+        </p:nvPicPr>
+        <p:blipFill>
+          <a:blip r:embed="rId3" cstate="print">
+            <a:extLst>
+              <a:ext uri="{28A0092B-C50C-407E-A947-70E740481C1C}">
+                <a14:useLocalDpi xmlns:a14="http://schemas.microsoft.com/office/drawing/2010/main" val="0"/>
+              </a:ext>
+            </a:extLst>
+          </a:blip>
+          <a:stretch>
+            <a:fillRect/>
+          </a:stretch>
+        </p:blipFill>
+        <p:spPr>
+          <a:xfrm>
+            <a:off x="4948715" y="1630383"/>
+            <a:ext cx="750171" cy="562627"/>
+          </a:xfrm>
+          <a:prstGeom prst="rect">
+            <a:avLst/>
+          </a:prstGeom>
+        </p:spPr>
+      </p:pic>
+      <p:pic>
+        <p:nvPicPr>
+          <p:cNvPr id="113" name="그림 112"/>
+          <p:cNvPicPr>
+            <a:picLocks noChangeAspect="1"/>
+          </p:cNvPicPr>
+          <p:nvPr/>
+        </p:nvPicPr>
+        <p:blipFill>
+          <a:blip r:embed="rId3" cstate="print">
+            <a:extLst>
+              <a:ext uri="{28A0092B-C50C-407E-A947-70E740481C1C}">
+                <a14:useLocalDpi xmlns:a14="http://schemas.microsoft.com/office/drawing/2010/main" val="0"/>
+              </a:ext>
+            </a:extLst>
+          </a:blip>
+          <a:stretch>
+            <a:fillRect/>
+          </a:stretch>
+        </p:blipFill>
+        <p:spPr>
+          <a:xfrm>
+            <a:off x="3795456" y="1630383"/>
+            <a:ext cx="750171" cy="562627"/>
+          </a:xfrm>
+          <a:prstGeom prst="rect">
+            <a:avLst/>
+          </a:prstGeom>
+        </p:spPr>
+      </p:pic>
+      <p:pic>
+        <p:nvPicPr>
+          <p:cNvPr id="110" name="그림 109"/>
+          <p:cNvPicPr>
+            <a:picLocks noChangeAspect="1"/>
+          </p:cNvPicPr>
+          <p:nvPr/>
+        </p:nvPicPr>
+        <p:blipFill>
+          <a:blip r:embed="rId3" cstate="print">
+            <a:extLst>
+              <a:ext uri="{28A0092B-C50C-407E-A947-70E740481C1C}">
+                <a14:useLocalDpi xmlns:a14="http://schemas.microsoft.com/office/drawing/2010/main" val="0"/>
+              </a:ext>
+            </a:extLst>
+          </a:blip>
+          <a:stretch>
+            <a:fillRect/>
+          </a:stretch>
+        </p:blipFill>
+        <p:spPr>
+          <a:xfrm>
             <a:off x="2642197" y="1630383"/>
             <a:ext cx="750171" cy="562627"/>
           </a:xfrm>
@@ -3271,7 +3407,7 @@
           <p:nvPr/>
         </p:nvPicPr>
         <p:blipFill>
-          <a:blip r:embed="rId3">
+          <a:blip r:embed="rId4">
             <a:extLst>
               <a:ext uri="{28A0092B-C50C-407E-A947-70E740481C1C}">
                 <a14:useLocalDpi xmlns:a14="http://schemas.microsoft.com/office/drawing/2010/main" val="0"/>
@@ -3301,7 +3437,7 @@
           <p:nvPr/>
         </p:nvPicPr>
         <p:blipFill>
-          <a:blip r:embed="rId4">
+          <a:blip r:embed="rId5">
             <a:extLst>
               <a:ext uri="{28A0092B-C50C-407E-A947-70E740481C1C}">
                 <a14:useLocalDpi xmlns:a14="http://schemas.microsoft.com/office/drawing/2010/main" val="0"/>
@@ -3450,7 +3586,7 @@
           <p:nvPr/>
         </p:nvPicPr>
         <p:blipFill>
-          <a:blip r:embed="rId5"/>
+          <a:blip r:embed="rId6"/>
           <a:stretch>
             <a:fillRect/>
           </a:stretch>
@@ -3550,239 +3686,6 @@
       <p:pic>
         <p:nvPicPr>
           <p:cNvPr id="3" name="그림 2"/>
-          <p:cNvPicPr>
-            <a:picLocks noChangeAspect="1"/>
-          </p:cNvPicPr>
-          <p:nvPr/>
-        </p:nvPicPr>
-        <p:blipFill>
-          <a:blip r:embed="rId6">
-            <a:extLst>
-              <a:ext uri="{28A0092B-C50C-407E-A947-70E740481C1C}">
-                <a14:useLocalDpi xmlns:a14="http://schemas.microsoft.com/office/drawing/2010/main" val="0"/>
-              </a:ext>
-            </a:extLst>
-          </a:blip>
-          <a:stretch>
-            <a:fillRect/>
-          </a:stretch>
-        </p:blipFill>
-        <p:spPr>
-          <a:xfrm>
-            <a:off x="2643553" y="247283"/>
-            <a:ext cx="293077" cy="293077"/>
-          </a:xfrm>
-          <a:prstGeom prst="rect">
-            <a:avLst/>
-          </a:prstGeom>
-        </p:spPr>
-      </p:pic>
-      <p:pic>
-        <p:nvPicPr>
-          <p:cNvPr id="12" name="그림 11"/>
-          <p:cNvPicPr>
-            <a:picLocks noChangeAspect="1"/>
-          </p:cNvPicPr>
-          <p:nvPr/>
-        </p:nvPicPr>
-        <p:blipFill>
-          <a:blip r:embed="rId6">
-            <a:extLst>
-              <a:ext uri="{28A0092B-C50C-407E-A947-70E740481C1C}">
-                <a14:useLocalDpi xmlns:a14="http://schemas.microsoft.com/office/drawing/2010/main" val="0"/>
-              </a:ext>
-            </a:extLst>
-          </a:blip>
-          <a:stretch>
-            <a:fillRect/>
-          </a:stretch>
-        </p:blipFill>
-        <p:spPr>
-          <a:xfrm>
-            <a:off x="2643553" y="509955"/>
-            <a:ext cx="293077" cy="293077"/>
-          </a:xfrm>
-          <a:prstGeom prst="rect">
-            <a:avLst/>
-          </a:prstGeom>
-        </p:spPr>
-      </p:pic>
-      <p:pic>
-        <p:nvPicPr>
-          <p:cNvPr id="13" name="그림 12"/>
-          <p:cNvPicPr>
-            <a:picLocks noChangeAspect="1"/>
-          </p:cNvPicPr>
-          <p:nvPr/>
-        </p:nvPicPr>
-        <p:blipFill>
-          <a:blip r:embed="rId6">
-            <a:extLst>
-              <a:ext uri="{28A0092B-C50C-407E-A947-70E740481C1C}">
-                <a14:useLocalDpi xmlns:a14="http://schemas.microsoft.com/office/drawing/2010/main" val="0"/>
-              </a:ext>
-            </a:extLst>
-          </a:blip>
-          <a:stretch>
-            <a:fillRect/>
-          </a:stretch>
-        </p:blipFill>
-        <p:spPr>
-          <a:xfrm>
-            <a:off x="2643553" y="775189"/>
-            <a:ext cx="293077" cy="293077"/>
-          </a:xfrm>
-          <a:prstGeom prst="rect">
-            <a:avLst/>
-          </a:prstGeom>
-        </p:spPr>
-      </p:pic>
-      <p:pic>
-        <p:nvPicPr>
-          <p:cNvPr id="16" name="그림 15"/>
-          <p:cNvPicPr>
-            <a:picLocks noChangeAspect="1"/>
-          </p:cNvPicPr>
-          <p:nvPr/>
-        </p:nvPicPr>
-        <p:blipFill>
-          <a:blip r:embed="rId6">
-            <a:extLst>
-              <a:ext uri="{28A0092B-C50C-407E-A947-70E740481C1C}">
-                <a14:useLocalDpi xmlns:a14="http://schemas.microsoft.com/office/drawing/2010/main" val="0"/>
-              </a:ext>
-            </a:extLst>
-          </a:blip>
-          <a:stretch>
-            <a:fillRect/>
-          </a:stretch>
-        </p:blipFill>
-        <p:spPr>
-          <a:xfrm>
-            <a:off x="2992312" y="247283"/>
-            <a:ext cx="293077" cy="293077"/>
-          </a:xfrm>
-          <a:prstGeom prst="rect">
-            <a:avLst/>
-          </a:prstGeom>
-        </p:spPr>
-      </p:pic>
-      <p:pic>
-        <p:nvPicPr>
-          <p:cNvPr id="17" name="그림 16"/>
-          <p:cNvPicPr>
-            <a:picLocks noChangeAspect="1"/>
-          </p:cNvPicPr>
-          <p:nvPr/>
-        </p:nvPicPr>
-        <p:blipFill>
-          <a:blip r:embed="rId6">
-            <a:extLst>
-              <a:ext uri="{28A0092B-C50C-407E-A947-70E740481C1C}">
-                <a14:useLocalDpi xmlns:a14="http://schemas.microsoft.com/office/drawing/2010/main" val="0"/>
-              </a:ext>
-            </a:extLst>
-          </a:blip>
-          <a:stretch>
-            <a:fillRect/>
-          </a:stretch>
-        </p:blipFill>
-        <p:spPr>
-          <a:xfrm>
-            <a:off x="2992312" y="509955"/>
-            <a:ext cx="293077" cy="293077"/>
-          </a:xfrm>
-          <a:prstGeom prst="rect">
-            <a:avLst/>
-          </a:prstGeom>
-        </p:spPr>
-      </p:pic>
-      <p:sp>
-        <p:nvSpPr>
-          <p:cNvPr id="7" name="TextBox 6"/>
-          <p:cNvSpPr txBox="1"/>
-          <p:nvPr/>
-        </p:nvSpPr>
-        <p:spPr>
-          <a:xfrm>
-            <a:off x="2913183" y="767861"/>
-            <a:ext cx="1016979" cy="400110"/>
-          </a:xfrm>
-          <a:prstGeom prst="rect">
-            <a:avLst/>
-          </a:prstGeom>
-          <a:noFill/>
-        </p:spPr>
-        <p:txBody>
-          <a:bodyPr wrap="square" rtlCol="0">
-            <a:spAutoFit/>
-          </a:bodyPr>
-          <a:lstStyle/>
-          <a:p>
-            <a:r>
-              <a:rPr lang="en-US" altLang="ko-KR" sz="2000" b="1" dirty="0" smtClean="0">
-                <a:solidFill>
-                  <a:schemeClr val="accent1">
-                    <a:lumMod val="75000"/>
-                  </a:schemeClr>
-                </a:solidFill>
-              </a:rPr>
-              <a:t>LIST</a:t>
-            </a:r>
-            <a:endParaRPr lang="ko-KR" altLang="en-US" sz="2000" b="1" dirty="0">
-              <a:solidFill>
-                <a:schemeClr val="accent1">
-                  <a:lumMod val="75000"/>
-                </a:schemeClr>
-              </a:solidFill>
-            </a:endParaRPr>
-          </a:p>
-        </p:txBody>
-      </p:sp>
-      <p:sp>
-        <p:nvSpPr>
-          <p:cNvPr id="18" name="직사각형 17"/>
-          <p:cNvSpPr/>
-          <p:nvPr/>
-        </p:nvSpPr>
-        <p:spPr>
-          <a:xfrm>
-            <a:off x="3727942" y="202223"/>
-            <a:ext cx="958362" cy="958362"/>
-          </a:xfrm>
-          <a:prstGeom prst="rect">
-            <a:avLst/>
-          </a:prstGeom>
-          <a:noFill/>
-        </p:spPr>
-        <p:style>
-          <a:lnRef idx="2">
-            <a:schemeClr val="accent1">
-              <a:shade val="50000"/>
-            </a:schemeClr>
-          </a:lnRef>
-          <a:fillRef idx="1">
-            <a:schemeClr val="accent1"/>
-          </a:fillRef>
-          <a:effectRef idx="0">
-            <a:schemeClr val="accent1"/>
-          </a:effectRef>
-          <a:fontRef idx="minor">
-            <a:schemeClr val="lt1"/>
-          </a:fontRef>
-        </p:style>
-        <p:txBody>
-          <a:bodyPr rtlCol="0" anchor="ctr"/>
-          <a:lstStyle/>
-          <a:p>
-            <a:pPr algn="ctr"/>
-            <a:endParaRPr lang="ko-KR" altLang="en-US"/>
-          </a:p>
-        </p:txBody>
-      </p:sp>
-      <p:pic>
-        <p:nvPicPr>
-          <p:cNvPr id="20" name="그림 19"/>
           <p:cNvPicPr>
             <a:picLocks noChangeAspect="1"/>
           </p:cNvPicPr>
@@ -3802,8 +3705,8 @@
         </p:blipFill>
         <p:spPr>
           <a:xfrm>
-            <a:off x="4356109" y="803032"/>
-            <a:ext cx="267652" cy="267652"/>
+            <a:off x="2643553" y="247283"/>
+            <a:ext cx="293077" cy="293077"/>
           </a:xfrm>
           <a:prstGeom prst="rect">
             <a:avLst/>
@@ -3812,7 +3715,7 @@
       </p:pic>
       <p:pic>
         <p:nvPicPr>
-          <p:cNvPr id="25" name="그림 24"/>
+          <p:cNvPr id="12" name="그림 11"/>
           <p:cNvPicPr>
             <a:picLocks noChangeAspect="1"/>
           </p:cNvPicPr>
@@ -3832,8 +3735,8 @@
         </p:blipFill>
         <p:spPr>
           <a:xfrm>
-            <a:off x="4356109" y="547578"/>
-            <a:ext cx="267652" cy="267652"/>
+            <a:off x="2643553" y="509955"/>
+            <a:ext cx="293077" cy="293077"/>
           </a:xfrm>
           <a:prstGeom prst="rect">
             <a:avLst/>
@@ -3842,7 +3745,7 @@
       </p:pic>
       <p:pic>
         <p:nvPicPr>
-          <p:cNvPr id="26" name="그림 25"/>
+          <p:cNvPr id="13" name="그림 12"/>
           <p:cNvPicPr>
             <a:picLocks noChangeAspect="1"/>
           </p:cNvPicPr>
@@ -3862,8 +3765,8 @@
         </p:blipFill>
         <p:spPr>
           <a:xfrm>
-            <a:off x="4356109" y="272540"/>
-            <a:ext cx="267652" cy="267652"/>
+            <a:off x="2643553" y="775189"/>
+            <a:ext cx="293077" cy="293077"/>
           </a:xfrm>
           <a:prstGeom prst="rect">
             <a:avLst/>
@@ -3872,7 +3775,7 @@
       </p:pic>
       <p:pic>
         <p:nvPicPr>
-          <p:cNvPr id="27" name="그림 26"/>
+          <p:cNvPr id="16" name="그림 15"/>
           <p:cNvPicPr>
             <a:picLocks noChangeAspect="1"/>
           </p:cNvPicPr>
@@ -3892,8 +3795,8 @@
         </p:blipFill>
         <p:spPr>
           <a:xfrm>
-            <a:off x="3875483" y="803032"/>
-            <a:ext cx="267652" cy="267652"/>
+            <a:off x="2992312" y="247283"/>
+            <a:ext cx="293077" cy="293077"/>
           </a:xfrm>
           <a:prstGeom prst="rect">
             <a:avLst/>
@@ -3902,7 +3805,7 @@
       </p:pic>
       <p:pic>
         <p:nvPicPr>
-          <p:cNvPr id="28" name="그림 27"/>
+          <p:cNvPr id="17" name="그림 16"/>
           <p:cNvPicPr>
             <a:picLocks noChangeAspect="1"/>
           </p:cNvPicPr>
@@ -3922,6 +3825,239 @@
         </p:blipFill>
         <p:spPr>
           <a:xfrm>
+            <a:off x="2992312" y="509955"/>
+            <a:ext cx="293077" cy="293077"/>
+          </a:xfrm>
+          <a:prstGeom prst="rect">
+            <a:avLst/>
+          </a:prstGeom>
+        </p:spPr>
+      </p:pic>
+      <p:sp>
+        <p:nvSpPr>
+          <p:cNvPr id="7" name="TextBox 6"/>
+          <p:cNvSpPr txBox="1"/>
+          <p:nvPr/>
+        </p:nvSpPr>
+        <p:spPr>
+          <a:xfrm>
+            <a:off x="2913183" y="767861"/>
+            <a:ext cx="1016979" cy="400110"/>
+          </a:xfrm>
+          <a:prstGeom prst="rect">
+            <a:avLst/>
+          </a:prstGeom>
+          <a:noFill/>
+        </p:spPr>
+        <p:txBody>
+          <a:bodyPr wrap="square" rtlCol="0">
+            <a:spAutoFit/>
+          </a:bodyPr>
+          <a:lstStyle/>
+          <a:p>
+            <a:r>
+              <a:rPr lang="en-US" altLang="ko-KR" sz="2000" b="1" dirty="0" smtClean="0">
+                <a:solidFill>
+                  <a:schemeClr val="accent1">
+                    <a:lumMod val="75000"/>
+                  </a:schemeClr>
+                </a:solidFill>
+              </a:rPr>
+              <a:t>LIST</a:t>
+            </a:r>
+            <a:endParaRPr lang="ko-KR" altLang="en-US" sz="2000" b="1" dirty="0">
+              <a:solidFill>
+                <a:schemeClr val="accent1">
+                  <a:lumMod val="75000"/>
+                </a:schemeClr>
+              </a:solidFill>
+            </a:endParaRPr>
+          </a:p>
+        </p:txBody>
+      </p:sp>
+      <p:sp>
+        <p:nvSpPr>
+          <p:cNvPr id="18" name="직사각형 17"/>
+          <p:cNvSpPr/>
+          <p:nvPr/>
+        </p:nvSpPr>
+        <p:spPr>
+          <a:xfrm>
+            <a:off x="3727942" y="202223"/>
+            <a:ext cx="958362" cy="958362"/>
+          </a:xfrm>
+          <a:prstGeom prst="rect">
+            <a:avLst/>
+          </a:prstGeom>
+          <a:noFill/>
+        </p:spPr>
+        <p:style>
+          <a:lnRef idx="2">
+            <a:schemeClr val="accent1">
+              <a:shade val="50000"/>
+            </a:schemeClr>
+          </a:lnRef>
+          <a:fillRef idx="1">
+            <a:schemeClr val="accent1"/>
+          </a:fillRef>
+          <a:effectRef idx="0">
+            <a:schemeClr val="accent1"/>
+          </a:effectRef>
+          <a:fontRef idx="minor">
+            <a:schemeClr val="lt1"/>
+          </a:fontRef>
+        </p:style>
+        <p:txBody>
+          <a:bodyPr rtlCol="0" anchor="ctr"/>
+          <a:lstStyle/>
+          <a:p>
+            <a:pPr algn="ctr"/>
+            <a:endParaRPr lang="ko-KR" altLang="en-US"/>
+          </a:p>
+        </p:txBody>
+      </p:sp>
+      <p:pic>
+        <p:nvPicPr>
+          <p:cNvPr id="20" name="그림 19"/>
+          <p:cNvPicPr>
+            <a:picLocks noChangeAspect="1"/>
+          </p:cNvPicPr>
+          <p:nvPr/>
+        </p:nvPicPr>
+        <p:blipFill>
+          <a:blip r:embed="rId8">
+            <a:extLst>
+              <a:ext uri="{28A0092B-C50C-407E-A947-70E740481C1C}">
+                <a14:useLocalDpi xmlns:a14="http://schemas.microsoft.com/office/drawing/2010/main" val="0"/>
+              </a:ext>
+            </a:extLst>
+          </a:blip>
+          <a:stretch>
+            <a:fillRect/>
+          </a:stretch>
+        </p:blipFill>
+        <p:spPr>
+          <a:xfrm>
+            <a:off x="4356109" y="803032"/>
+            <a:ext cx="267652" cy="267652"/>
+          </a:xfrm>
+          <a:prstGeom prst="rect">
+            <a:avLst/>
+          </a:prstGeom>
+        </p:spPr>
+      </p:pic>
+      <p:pic>
+        <p:nvPicPr>
+          <p:cNvPr id="25" name="그림 24"/>
+          <p:cNvPicPr>
+            <a:picLocks noChangeAspect="1"/>
+          </p:cNvPicPr>
+          <p:nvPr/>
+        </p:nvPicPr>
+        <p:blipFill>
+          <a:blip r:embed="rId8">
+            <a:extLst>
+              <a:ext uri="{28A0092B-C50C-407E-A947-70E740481C1C}">
+                <a14:useLocalDpi xmlns:a14="http://schemas.microsoft.com/office/drawing/2010/main" val="0"/>
+              </a:ext>
+            </a:extLst>
+          </a:blip>
+          <a:stretch>
+            <a:fillRect/>
+          </a:stretch>
+        </p:blipFill>
+        <p:spPr>
+          <a:xfrm>
+            <a:off x="4356109" y="547578"/>
+            <a:ext cx="267652" cy="267652"/>
+          </a:xfrm>
+          <a:prstGeom prst="rect">
+            <a:avLst/>
+          </a:prstGeom>
+        </p:spPr>
+      </p:pic>
+      <p:pic>
+        <p:nvPicPr>
+          <p:cNvPr id="26" name="그림 25"/>
+          <p:cNvPicPr>
+            <a:picLocks noChangeAspect="1"/>
+          </p:cNvPicPr>
+          <p:nvPr/>
+        </p:nvPicPr>
+        <p:blipFill>
+          <a:blip r:embed="rId8">
+            <a:extLst>
+              <a:ext uri="{28A0092B-C50C-407E-A947-70E740481C1C}">
+                <a14:useLocalDpi xmlns:a14="http://schemas.microsoft.com/office/drawing/2010/main" val="0"/>
+              </a:ext>
+            </a:extLst>
+          </a:blip>
+          <a:stretch>
+            <a:fillRect/>
+          </a:stretch>
+        </p:blipFill>
+        <p:spPr>
+          <a:xfrm>
+            <a:off x="4356109" y="272540"/>
+            <a:ext cx="267652" cy="267652"/>
+          </a:xfrm>
+          <a:prstGeom prst="rect">
+            <a:avLst/>
+          </a:prstGeom>
+        </p:spPr>
+      </p:pic>
+      <p:pic>
+        <p:nvPicPr>
+          <p:cNvPr id="27" name="그림 26"/>
+          <p:cNvPicPr>
+            <a:picLocks noChangeAspect="1"/>
+          </p:cNvPicPr>
+          <p:nvPr/>
+        </p:nvPicPr>
+        <p:blipFill>
+          <a:blip r:embed="rId8">
+            <a:extLst>
+              <a:ext uri="{28A0092B-C50C-407E-A947-70E740481C1C}">
+                <a14:useLocalDpi xmlns:a14="http://schemas.microsoft.com/office/drawing/2010/main" val="0"/>
+              </a:ext>
+            </a:extLst>
+          </a:blip>
+          <a:stretch>
+            <a:fillRect/>
+          </a:stretch>
+        </p:blipFill>
+        <p:spPr>
+          <a:xfrm>
+            <a:off x="3875483" y="803032"/>
+            <a:ext cx="267652" cy="267652"/>
+          </a:xfrm>
+          <a:prstGeom prst="rect">
+            <a:avLst/>
+          </a:prstGeom>
+        </p:spPr>
+      </p:pic>
+      <p:pic>
+        <p:nvPicPr>
+          <p:cNvPr id="28" name="그림 27"/>
+          <p:cNvPicPr>
+            <a:picLocks noChangeAspect="1"/>
+          </p:cNvPicPr>
+          <p:nvPr/>
+        </p:nvPicPr>
+        <p:blipFill>
+          <a:blip r:embed="rId8">
+            <a:extLst>
+              <a:ext uri="{28A0092B-C50C-407E-A947-70E740481C1C}">
+                <a14:useLocalDpi xmlns:a14="http://schemas.microsoft.com/office/drawing/2010/main" val="0"/>
+              </a:ext>
+            </a:extLst>
+          </a:blip>
+          <a:stretch>
+            <a:fillRect/>
+          </a:stretch>
+        </p:blipFill>
+        <p:spPr>
+          <a:xfrm>
             <a:off x="4088457" y="547578"/>
             <a:ext cx="267652" cy="267652"/>
           </a:xfrm>
@@ -5147,7 +5283,7 @@
           <p:nvPr/>
         </p:nvPicPr>
         <p:blipFill>
-          <a:blip r:embed="rId8" cstate="print">
+          <a:blip r:embed="rId9" cstate="print">
             <a:extLst>
               <a:ext uri="{28A0092B-C50C-407E-A947-70E740481C1C}">
                 <a14:useLocalDpi xmlns:a14="http://schemas.microsoft.com/office/drawing/2010/main" val="0"/>
@@ -5171,83 +5307,6 @@
       <p:pic>
         <p:nvPicPr>
           <p:cNvPr id="42" name="그림 41"/>
-          <p:cNvPicPr>
-            <a:picLocks noChangeAspect="1"/>
-          </p:cNvPicPr>
-          <p:nvPr/>
-        </p:nvPicPr>
-        <p:blipFill>
-          <a:blip r:embed="rId9">
-            <a:extLst>
-              <a:ext uri="{28A0092B-C50C-407E-A947-70E740481C1C}">
-                <a14:useLocalDpi xmlns:a14="http://schemas.microsoft.com/office/drawing/2010/main" val="0"/>
-              </a:ext>
-            </a:extLst>
-          </a:blip>
-          <a:stretch>
-            <a:fillRect/>
-          </a:stretch>
-        </p:blipFill>
-        <p:spPr>
-          <a:xfrm>
-            <a:off x="9838314" y="566011"/>
-            <a:ext cx="203246" cy="203246"/>
-          </a:xfrm>
-          <a:prstGeom prst="rect">
-            <a:avLst/>
-          </a:prstGeom>
-        </p:spPr>
-      </p:pic>
-      <p:sp>
-        <p:nvSpPr>
-          <p:cNvPr id="77" name="모서리가 둥근 직사각형 76"/>
-          <p:cNvSpPr/>
-          <p:nvPr/>
-        </p:nvSpPr>
-        <p:spPr>
-          <a:xfrm>
-            <a:off x="9508394" y="337038"/>
-            <a:ext cx="891688" cy="744416"/>
-          </a:xfrm>
-          <a:prstGeom prst="roundRect">
-            <a:avLst/>
-          </a:prstGeom>
-          <a:noFill/>
-          <a:ln w="22225">
-            <a:solidFill>
-              <a:srgbClr val="FF0000"/>
-            </a:solidFill>
-            <a:prstDash val="solid"/>
-          </a:ln>
-        </p:spPr>
-        <p:style>
-          <a:lnRef idx="2">
-            <a:schemeClr val="accent1">
-              <a:shade val="50000"/>
-            </a:schemeClr>
-          </a:lnRef>
-          <a:fillRef idx="1">
-            <a:schemeClr val="accent1"/>
-          </a:fillRef>
-          <a:effectRef idx="0">
-            <a:schemeClr val="accent1"/>
-          </a:effectRef>
-          <a:fontRef idx="minor">
-            <a:schemeClr val="lt1"/>
-          </a:fontRef>
-        </p:style>
-        <p:txBody>
-          <a:bodyPr rtlCol="0" anchor="ctr"/>
-          <a:lstStyle/>
-          <a:p>
-            <a:pPr algn="ctr"/>
-            <a:endParaRPr lang="ko-KR" altLang="en-US"/>
-          </a:p>
-        </p:txBody>
-      </p:sp>
-      <p:pic>
-        <p:nvPicPr>
-          <p:cNvPr id="43" name="그림 42"/>
           <p:cNvPicPr>
             <a:picLocks noChangeAspect="1"/>
           </p:cNvPicPr>
@@ -5267,8 +5326,8 @@
         </p:blipFill>
         <p:spPr>
           <a:xfrm>
-            <a:off x="9568445" y="280383"/>
-            <a:ext cx="279365" cy="279365"/>
+            <a:off x="9838314" y="566011"/>
+            <a:ext cx="203246" cy="203246"/>
           </a:xfrm>
           <a:prstGeom prst="rect">
             <a:avLst/>
@@ -5277,19 +5336,25 @@
       </p:pic>
       <p:sp>
         <p:nvSpPr>
-          <p:cNvPr id="78" name="직사각형 77"/>
+          <p:cNvPr id="77" name="모서리가 둥근 직사각형 76"/>
           <p:cNvSpPr/>
           <p:nvPr/>
         </p:nvSpPr>
         <p:spPr>
           <a:xfrm>
-            <a:off x="276957" y="1351086"/>
-            <a:ext cx="958362" cy="958362"/>
-          </a:xfrm>
-          <a:prstGeom prst="rect">
+            <a:off x="9508394" y="337038"/>
+            <a:ext cx="891688" cy="744416"/>
+          </a:xfrm>
+          <a:prstGeom prst="roundRect">
             <a:avLst/>
           </a:prstGeom>
           <a:noFill/>
+          <a:ln w="22225">
+            <a:solidFill>
+              <a:srgbClr val="FF0000"/>
+            </a:solidFill>
+            <a:prstDash val="solid"/>
+          </a:ln>
         </p:spPr>
         <p:style>
           <a:lnRef idx="2">
@@ -5318,37 +5383,7 @@
       </p:sp>
       <p:pic>
         <p:nvPicPr>
-          <p:cNvPr id="79" name="그림 78"/>
-          <p:cNvPicPr>
-            <a:picLocks noChangeAspect="1"/>
-          </p:cNvPicPr>
-          <p:nvPr/>
-        </p:nvPicPr>
-        <p:blipFill>
-          <a:blip r:embed="rId2" cstate="print">
-            <a:extLst>
-              <a:ext uri="{28A0092B-C50C-407E-A947-70E740481C1C}">
-                <a14:useLocalDpi xmlns:a14="http://schemas.microsoft.com/office/drawing/2010/main" val="0"/>
-              </a:ext>
-            </a:extLst>
-          </a:blip>
-          <a:stretch>
-            <a:fillRect/>
-          </a:stretch>
-        </p:blipFill>
-        <p:spPr>
-          <a:xfrm>
-            <a:off x="335679" y="1630383"/>
-            <a:ext cx="750171" cy="562627"/>
-          </a:xfrm>
-          <a:prstGeom prst="rect">
-            <a:avLst/>
-          </a:prstGeom>
-        </p:spPr>
-      </p:pic>
-      <p:pic>
-        <p:nvPicPr>
-          <p:cNvPr id="80" name="그림 79"/>
+          <p:cNvPr id="43" name="그림 42"/>
           <p:cNvPicPr>
             <a:picLocks noChangeAspect="1"/>
           </p:cNvPicPr>
@@ -5368,8 +5403,79 @@
         </p:blipFill>
         <p:spPr>
           <a:xfrm>
-            <a:off x="718038" y="1447129"/>
-            <a:ext cx="450153" cy="450153"/>
+            <a:off x="9568445" y="280383"/>
+            <a:ext cx="279365" cy="279365"/>
+          </a:xfrm>
+          <a:prstGeom prst="rect">
+            <a:avLst/>
+          </a:prstGeom>
+        </p:spPr>
+      </p:pic>
+      <p:sp>
+        <p:nvSpPr>
+          <p:cNvPr id="78" name="직사각형 77"/>
+          <p:cNvSpPr/>
+          <p:nvPr/>
+        </p:nvSpPr>
+        <p:spPr>
+          <a:xfrm>
+            <a:off x="276957" y="1351086"/>
+            <a:ext cx="958362" cy="958362"/>
+          </a:xfrm>
+          <a:prstGeom prst="rect">
+            <a:avLst/>
+          </a:prstGeom>
+          <a:noFill/>
+        </p:spPr>
+        <p:style>
+          <a:lnRef idx="2">
+            <a:schemeClr val="accent1">
+              <a:shade val="50000"/>
+            </a:schemeClr>
+          </a:lnRef>
+          <a:fillRef idx="1">
+            <a:schemeClr val="accent1"/>
+          </a:fillRef>
+          <a:effectRef idx="0">
+            <a:schemeClr val="accent1"/>
+          </a:effectRef>
+          <a:fontRef idx="minor">
+            <a:schemeClr val="lt1"/>
+          </a:fontRef>
+        </p:style>
+        <p:txBody>
+          <a:bodyPr rtlCol="0" anchor="ctr"/>
+          <a:lstStyle/>
+          <a:p>
+            <a:pPr algn="ctr"/>
+            <a:endParaRPr lang="ko-KR" altLang="en-US"/>
+          </a:p>
+        </p:txBody>
+      </p:sp>
+      <p:pic>
+        <p:nvPicPr>
+          <p:cNvPr id="79" name="그림 78"/>
+          <p:cNvPicPr>
+            <a:picLocks noChangeAspect="1"/>
+          </p:cNvPicPr>
+          <p:nvPr/>
+        </p:nvPicPr>
+        <p:blipFill>
+          <a:blip r:embed="rId3" cstate="print">
+            <a:extLst>
+              <a:ext uri="{28A0092B-C50C-407E-A947-70E740481C1C}">
+                <a14:useLocalDpi xmlns:a14="http://schemas.microsoft.com/office/drawing/2010/main" val="0"/>
+              </a:ext>
+            </a:extLst>
+          </a:blip>
+          <a:stretch>
+            <a:fillRect/>
+          </a:stretch>
+        </p:blipFill>
+        <p:spPr>
+          <a:xfrm>
+            <a:off x="335679" y="1630383"/>
+            <a:ext cx="750171" cy="562627"/>
           </a:xfrm>
           <a:prstGeom prst="rect">
             <a:avLst/>
@@ -5378,7 +5484,7 @@
       </p:pic>
       <p:pic>
         <p:nvPicPr>
-          <p:cNvPr id="82" name="그림 81"/>
+          <p:cNvPr id="80" name="그림 79"/>
           <p:cNvPicPr>
             <a:picLocks noChangeAspect="1"/>
           </p:cNvPicPr>
@@ -5398,8 +5504,8 @@
         </p:blipFill>
         <p:spPr>
           <a:xfrm>
-            <a:off x="4280385" y="1505940"/>
-            <a:ext cx="379262" cy="379262"/>
+            <a:off x="718038" y="1447129"/>
+            <a:ext cx="450153" cy="450153"/>
           </a:xfrm>
           <a:prstGeom prst="rect">
             <a:avLst/>
@@ -5408,7 +5514,7 @@
       </p:pic>
       <p:pic>
         <p:nvPicPr>
-          <p:cNvPr id="83" name="그림 82"/>
+          <p:cNvPr id="82" name="그림 81"/>
           <p:cNvPicPr>
             <a:picLocks noChangeAspect="1"/>
           </p:cNvPicPr>
@@ -5428,8 +5534,8 @@
         </p:blipFill>
         <p:spPr>
           <a:xfrm>
-            <a:off x="5396556" y="1505940"/>
-            <a:ext cx="406349" cy="406349"/>
+            <a:off x="4280385" y="1505940"/>
+            <a:ext cx="379262" cy="379262"/>
           </a:xfrm>
           <a:prstGeom prst="rect">
             <a:avLst/>
@@ -5438,7 +5544,7 @@
       </p:pic>
       <p:pic>
         <p:nvPicPr>
-          <p:cNvPr id="84" name="그림 83"/>
+          <p:cNvPr id="83" name="그림 82"/>
           <p:cNvPicPr>
             <a:picLocks noChangeAspect="1"/>
           </p:cNvPicPr>
@@ -5458,7 +5564,7 @@
         </p:blipFill>
         <p:spPr>
           <a:xfrm>
-            <a:off x="3070721" y="1478853"/>
+            <a:off x="5396556" y="1505940"/>
             <a:ext cx="406349" cy="406349"/>
           </a:xfrm>
           <a:prstGeom prst="rect">
@@ -5466,203 +5572,9 @@
           </a:prstGeom>
         </p:spPr>
       </p:pic>
-      <p:sp>
-        <p:nvSpPr>
-          <p:cNvPr id="106" name="직사각형 105"/>
-          <p:cNvSpPr/>
-          <p:nvPr/>
-        </p:nvSpPr>
-        <p:spPr>
-          <a:xfrm>
-            <a:off x="1430216" y="1351086"/>
-            <a:ext cx="958362" cy="958362"/>
-          </a:xfrm>
-          <a:prstGeom prst="rect">
-            <a:avLst/>
-          </a:prstGeom>
-          <a:noFill/>
-        </p:spPr>
-        <p:style>
-          <a:lnRef idx="2">
-            <a:schemeClr val="accent1">
-              <a:shade val="50000"/>
-            </a:schemeClr>
-          </a:lnRef>
-          <a:fillRef idx="1">
-            <a:schemeClr val="accent1"/>
-          </a:fillRef>
-          <a:effectRef idx="0">
-            <a:schemeClr val="accent1"/>
-          </a:effectRef>
-          <a:fontRef idx="minor">
-            <a:schemeClr val="lt1"/>
-          </a:fontRef>
-        </p:style>
-        <p:txBody>
-          <a:bodyPr rtlCol="0" anchor="ctr"/>
-          <a:lstStyle/>
-          <a:p>
-            <a:pPr algn="ctr"/>
-            <a:endParaRPr lang="ko-KR" altLang="en-US"/>
-          </a:p>
-        </p:txBody>
-      </p:sp>
       <p:pic>
         <p:nvPicPr>
-          <p:cNvPr id="107" name="그림 106"/>
-          <p:cNvPicPr>
-            <a:picLocks noChangeAspect="1"/>
-          </p:cNvPicPr>
-          <p:nvPr/>
-        </p:nvPicPr>
-        <p:blipFill>
-          <a:blip r:embed="rId2" cstate="print">
-            <a:extLst>
-              <a:ext uri="{28A0092B-C50C-407E-A947-70E740481C1C}">
-                <a14:useLocalDpi xmlns:a14="http://schemas.microsoft.com/office/drawing/2010/main" val="0"/>
-              </a:ext>
-            </a:extLst>
-          </a:blip>
-          <a:stretch>
-            <a:fillRect/>
-          </a:stretch>
-        </p:blipFill>
-        <p:spPr>
-          <a:xfrm>
-            <a:off x="1488938" y="1630383"/>
-            <a:ext cx="750171" cy="562627"/>
-          </a:xfrm>
-          <a:prstGeom prst="rect">
-            <a:avLst/>
-          </a:prstGeom>
-        </p:spPr>
-      </p:pic>
-      <p:sp>
-        <p:nvSpPr>
-          <p:cNvPr id="109" name="직사각형 108"/>
-          <p:cNvSpPr/>
-          <p:nvPr/>
-        </p:nvSpPr>
-        <p:spPr>
-          <a:xfrm>
-            <a:off x="2583475" y="1351086"/>
-            <a:ext cx="958362" cy="958362"/>
-          </a:xfrm>
-          <a:prstGeom prst="rect">
-            <a:avLst/>
-          </a:prstGeom>
-          <a:noFill/>
-        </p:spPr>
-        <p:style>
-          <a:lnRef idx="2">
-            <a:schemeClr val="accent1">
-              <a:shade val="50000"/>
-            </a:schemeClr>
-          </a:lnRef>
-          <a:fillRef idx="1">
-            <a:schemeClr val="accent1"/>
-          </a:fillRef>
-          <a:effectRef idx="0">
-            <a:schemeClr val="accent1"/>
-          </a:effectRef>
-          <a:fontRef idx="minor">
-            <a:schemeClr val="lt1"/>
-          </a:fontRef>
-        </p:style>
-        <p:txBody>
-          <a:bodyPr rtlCol="0" anchor="ctr"/>
-          <a:lstStyle/>
-          <a:p>
-            <a:pPr algn="ctr"/>
-            <a:endParaRPr lang="ko-KR" altLang="en-US"/>
-          </a:p>
-        </p:txBody>
-      </p:sp>
-      <p:sp>
-        <p:nvSpPr>
-          <p:cNvPr id="112" name="직사각형 111"/>
-          <p:cNvSpPr/>
-          <p:nvPr/>
-        </p:nvSpPr>
-        <p:spPr>
-          <a:xfrm>
-            <a:off x="3736734" y="1351086"/>
-            <a:ext cx="958362" cy="958362"/>
-          </a:xfrm>
-          <a:prstGeom prst="rect">
-            <a:avLst/>
-          </a:prstGeom>
-          <a:noFill/>
-        </p:spPr>
-        <p:style>
-          <a:lnRef idx="2">
-            <a:schemeClr val="accent1">
-              <a:shade val="50000"/>
-            </a:schemeClr>
-          </a:lnRef>
-          <a:fillRef idx="1">
-            <a:schemeClr val="accent1"/>
-          </a:fillRef>
-          <a:effectRef idx="0">
-            <a:schemeClr val="accent1"/>
-          </a:effectRef>
-          <a:fontRef idx="minor">
-            <a:schemeClr val="lt1"/>
-          </a:fontRef>
-        </p:style>
-        <p:txBody>
-          <a:bodyPr rtlCol="0" anchor="ctr"/>
-          <a:lstStyle/>
-          <a:p>
-            <a:pPr algn="ctr"/>
-            <a:endParaRPr lang="ko-KR" altLang="en-US"/>
-          </a:p>
-        </p:txBody>
-      </p:sp>
-      <p:sp>
-        <p:nvSpPr>
-          <p:cNvPr id="115" name="직사각형 114"/>
-          <p:cNvSpPr/>
-          <p:nvPr/>
-        </p:nvSpPr>
-        <p:spPr>
-          <a:xfrm>
-            <a:off x="4889993" y="1351086"/>
-            <a:ext cx="958362" cy="958362"/>
-          </a:xfrm>
-          <a:prstGeom prst="rect">
-            <a:avLst/>
-          </a:prstGeom>
-          <a:noFill/>
-        </p:spPr>
-        <p:style>
-          <a:lnRef idx="2">
-            <a:schemeClr val="accent1">
-              <a:shade val="50000"/>
-            </a:schemeClr>
-          </a:lnRef>
-          <a:fillRef idx="1">
-            <a:schemeClr val="accent1"/>
-          </a:fillRef>
-          <a:effectRef idx="0">
-            <a:schemeClr val="accent1"/>
-          </a:effectRef>
-          <a:fontRef idx="minor">
-            <a:schemeClr val="lt1"/>
-          </a:fontRef>
-        </p:style>
-        <p:txBody>
-          <a:bodyPr rtlCol="0" anchor="ctr"/>
-          <a:lstStyle/>
-          <a:p>
-            <a:pPr algn="ctr"/>
-            <a:endParaRPr lang="ko-KR" altLang="en-US"/>
-          </a:p>
-        </p:txBody>
-      </p:sp>
-      <p:pic>
-        <p:nvPicPr>
-          <p:cNvPr id="118" name="그림 117"/>
+          <p:cNvPr id="84" name="그림 83"/>
           <p:cNvPicPr>
             <a:picLocks noChangeAspect="1"/>
           </p:cNvPicPr>
@@ -5682,6 +5594,230 @@
         </p:blipFill>
         <p:spPr>
           <a:xfrm>
+            <a:off x="3070721" y="1478853"/>
+            <a:ext cx="406349" cy="406349"/>
+          </a:xfrm>
+          <a:prstGeom prst="rect">
+            <a:avLst/>
+          </a:prstGeom>
+        </p:spPr>
+      </p:pic>
+      <p:sp>
+        <p:nvSpPr>
+          <p:cNvPr id="106" name="직사각형 105"/>
+          <p:cNvSpPr/>
+          <p:nvPr/>
+        </p:nvSpPr>
+        <p:spPr>
+          <a:xfrm>
+            <a:off x="1430216" y="1351086"/>
+            <a:ext cx="958362" cy="958362"/>
+          </a:xfrm>
+          <a:prstGeom prst="rect">
+            <a:avLst/>
+          </a:prstGeom>
+          <a:noFill/>
+        </p:spPr>
+        <p:style>
+          <a:lnRef idx="2">
+            <a:schemeClr val="accent1">
+              <a:shade val="50000"/>
+            </a:schemeClr>
+          </a:lnRef>
+          <a:fillRef idx="1">
+            <a:schemeClr val="accent1"/>
+          </a:fillRef>
+          <a:effectRef idx="0">
+            <a:schemeClr val="accent1"/>
+          </a:effectRef>
+          <a:fontRef idx="minor">
+            <a:schemeClr val="lt1"/>
+          </a:fontRef>
+        </p:style>
+        <p:txBody>
+          <a:bodyPr rtlCol="0" anchor="ctr"/>
+          <a:lstStyle/>
+          <a:p>
+            <a:pPr algn="ctr"/>
+            <a:endParaRPr lang="ko-KR" altLang="en-US"/>
+          </a:p>
+        </p:txBody>
+      </p:sp>
+      <p:pic>
+        <p:nvPicPr>
+          <p:cNvPr id="107" name="그림 106"/>
+          <p:cNvPicPr>
+            <a:picLocks noChangeAspect="1"/>
+          </p:cNvPicPr>
+          <p:nvPr/>
+        </p:nvPicPr>
+        <p:blipFill>
+          <a:blip r:embed="rId3" cstate="print">
+            <a:extLst>
+              <a:ext uri="{28A0092B-C50C-407E-A947-70E740481C1C}">
+                <a14:useLocalDpi xmlns:a14="http://schemas.microsoft.com/office/drawing/2010/main" val="0"/>
+              </a:ext>
+            </a:extLst>
+          </a:blip>
+          <a:stretch>
+            <a:fillRect/>
+          </a:stretch>
+        </p:blipFill>
+        <p:spPr>
+          <a:xfrm>
+            <a:off x="1488938" y="1630383"/>
+            <a:ext cx="750171" cy="562627"/>
+          </a:xfrm>
+          <a:prstGeom prst="rect">
+            <a:avLst/>
+          </a:prstGeom>
+        </p:spPr>
+      </p:pic>
+      <p:sp>
+        <p:nvSpPr>
+          <p:cNvPr id="109" name="직사각형 108"/>
+          <p:cNvSpPr/>
+          <p:nvPr/>
+        </p:nvSpPr>
+        <p:spPr>
+          <a:xfrm>
+            <a:off x="2583475" y="1351086"/>
+            <a:ext cx="958362" cy="958362"/>
+          </a:xfrm>
+          <a:prstGeom prst="rect">
+            <a:avLst/>
+          </a:prstGeom>
+          <a:noFill/>
+        </p:spPr>
+        <p:style>
+          <a:lnRef idx="2">
+            <a:schemeClr val="accent1">
+              <a:shade val="50000"/>
+            </a:schemeClr>
+          </a:lnRef>
+          <a:fillRef idx="1">
+            <a:schemeClr val="accent1"/>
+          </a:fillRef>
+          <a:effectRef idx="0">
+            <a:schemeClr val="accent1"/>
+          </a:effectRef>
+          <a:fontRef idx="minor">
+            <a:schemeClr val="lt1"/>
+          </a:fontRef>
+        </p:style>
+        <p:txBody>
+          <a:bodyPr rtlCol="0" anchor="ctr"/>
+          <a:lstStyle/>
+          <a:p>
+            <a:pPr algn="ctr"/>
+            <a:endParaRPr lang="ko-KR" altLang="en-US"/>
+          </a:p>
+        </p:txBody>
+      </p:sp>
+      <p:sp>
+        <p:nvSpPr>
+          <p:cNvPr id="112" name="직사각형 111"/>
+          <p:cNvSpPr/>
+          <p:nvPr/>
+        </p:nvSpPr>
+        <p:spPr>
+          <a:xfrm>
+            <a:off x="3736734" y="1351086"/>
+            <a:ext cx="958362" cy="958362"/>
+          </a:xfrm>
+          <a:prstGeom prst="rect">
+            <a:avLst/>
+          </a:prstGeom>
+          <a:noFill/>
+        </p:spPr>
+        <p:style>
+          <a:lnRef idx="2">
+            <a:schemeClr val="accent1">
+              <a:shade val="50000"/>
+            </a:schemeClr>
+          </a:lnRef>
+          <a:fillRef idx="1">
+            <a:schemeClr val="accent1"/>
+          </a:fillRef>
+          <a:effectRef idx="0">
+            <a:schemeClr val="accent1"/>
+          </a:effectRef>
+          <a:fontRef idx="minor">
+            <a:schemeClr val="lt1"/>
+          </a:fontRef>
+        </p:style>
+        <p:txBody>
+          <a:bodyPr rtlCol="0" anchor="ctr"/>
+          <a:lstStyle/>
+          <a:p>
+            <a:pPr algn="ctr"/>
+            <a:endParaRPr lang="ko-KR" altLang="en-US"/>
+          </a:p>
+        </p:txBody>
+      </p:sp>
+      <p:sp>
+        <p:nvSpPr>
+          <p:cNvPr id="115" name="직사각형 114"/>
+          <p:cNvSpPr/>
+          <p:nvPr/>
+        </p:nvSpPr>
+        <p:spPr>
+          <a:xfrm>
+            <a:off x="4889993" y="1351086"/>
+            <a:ext cx="958362" cy="958362"/>
+          </a:xfrm>
+          <a:prstGeom prst="rect">
+            <a:avLst/>
+          </a:prstGeom>
+          <a:noFill/>
+        </p:spPr>
+        <p:style>
+          <a:lnRef idx="2">
+            <a:schemeClr val="accent1">
+              <a:shade val="50000"/>
+            </a:schemeClr>
+          </a:lnRef>
+          <a:fillRef idx="1">
+            <a:schemeClr val="accent1"/>
+          </a:fillRef>
+          <a:effectRef idx="0">
+            <a:schemeClr val="accent1"/>
+          </a:effectRef>
+          <a:fontRef idx="minor">
+            <a:schemeClr val="lt1"/>
+          </a:fontRef>
+        </p:style>
+        <p:txBody>
+          <a:bodyPr rtlCol="0" anchor="ctr"/>
+          <a:lstStyle/>
+          <a:p>
+            <a:pPr algn="ctr"/>
+            <a:endParaRPr lang="ko-KR" altLang="en-US"/>
+          </a:p>
+        </p:txBody>
+      </p:sp>
+      <p:pic>
+        <p:nvPicPr>
+          <p:cNvPr id="118" name="그림 117"/>
+          <p:cNvPicPr>
+            <a:picLocks noChangeAspect="1"/>
+          </p:cNvPicPr>
+          <p:nvPr/>
+        </p:nvPicPr>
+        <p:blipFill>
+          <a:blip r:embed="rId16">
+            <a:extLst>
+              <a:ext uri="{28A0092B-C50C-407E-A947-70E740481C1C}">
+                <a14:useLocalDpi xmlns:a14="http://schemas.microsoft.com/office/drawing/2010/main" val="0"/>
+              </a:ext>
+            </a:extLst>
+          </a:blip>
+          <a:stretch>
+            <a:fillRect/>
+          </a:stretch>
+        </p:blipFill>
+        <p:spPr>
+          <a:xfrm>
             <a:off x="1940673" y="1478667"/>
             <a:ext cx="447905" cy="447905"/>
           </a:xfrm>
@@ -5690,6 +5826,841 @@
           </a:prstGeom>
         </p:spPr>
       </p:pic>
+      <p:sp>
+        <p:nvSpPr>
+          <p:cNvPr id="85" name="직사각형 84"/>
+          <p:cNvSpPr/>
+          <p:nvPr/>
+        </p:nvSpPr>
+        <p:spPr>
+          <a:xfrm>
+            <a:off x="6051564" y="1347457"/>
+            <a:ext cx="958362" cy="958362"/>
+          </a:xfrm>
+          <a:prstGeom prst="rect">
+            <a:avLst/>
+          </a:prstGeom>
+          <a:noFill/>
+        </p:spPr>
+        <p:style>
+          <a:lnRef idx="2">
+            <a:schemeClr val="accent1">
+              <a:shade val="50000"/>
+            </a:schemeClr>
+          </a:lnRef>
+          <a:fillRef idx="1">
+            <a:schemeClr val="accent1"/>
+          </a:fillRef>
+          <a:effectRef idx="0">
+            <a:schemeClr val="accent1"/>
+          </a:effectRef>
+          <a:fontRef idx="minor">
+            <a:schemeClr val="lt1"/>
+          </a:fontRef>
+        </p:style>
+        <p:txBody>
+          <a:bodyPr rtlCol="0" anchor="ctr"/>
+          <a:lstStyle/>
+          <a:p>
+            <a:pPr algn="ctr"/>
+            <a:endParaRPr lang="ko-KR" altLang="en-US"/>
+          </a:p>
+        </p:txBody>
+      </p:sp>
+      <p:pic>
+        <p:nvPicPr>
+          <p:cNvPr id="14" name="그림 13"/>
+          <p:cNvPicPr>
+            <a:picLocks noChangeAspect="1"/>
+          </p:cNvPicPr>
+          <p:nvPr/>
+        </p:nvPicPr>
+        <p:blipFill>
+          <a:blip r:embed="rId17">
+            <a:extLst>
+              <a:ext uri="{28A0092B-C50C-407E-A947-70E740481C1C}">
+                <a14:useLocalDpi xmlns:a14="http://schemas.microsoft.com/office/drawing/2010/main" val="0"/>
+              </a:ext>
+            </a:extLst>
+          </a:blip>
+          <a:stretch>
+            <a:fillRect/>
+          </a:stretch>
+        </p:blipFill>
+        <p:spPr>
+          <a:xfrm>
+            <a:off x="6128701" y="1580402"/>
+            <a:ext cx="609600" cy="609600"/>
+          </a:xfrm>
+          <a:prstGeom prst="rect">
+            <a:avLst/>
+          </a:prstGeom>
+        </p:spPr>
+      </p:pic>
+      <p:pic>
+        <p:nvPicPr>
+          <p:cNvPr id="21" name="그림 20"/>
+          <p:cNvPicPr>
+            <a:picLocks noChangeAspect="1"/>
+          </p:cNvPicPr>
+          <p:nvPr/>
+        </p:nvPicPr>
+        <p:blipFill>
+          <a:blip r:embed="rId18">
+            <a:extLst>
+              <a:ext uri="{28A0092B-C50C-407E-A947-70E740481C1C}">
+                <a14:useLocalDpi xmlns:a14="http://schemas.microsoft.com/office/drawing/2010/main" val="0"/>
+              </a:ext>
+            </a:extLst>
+          </a:blip>
+          <a:stretch>
+            <a:fillRect/>
+          </a:stretch>
+        </p:blipFill>
+        <p:spPr>
+          <a:xfrm>
+            <a:off x="6573375" y="1442143"/>
+            <a:ext cx="329851" cy="329851"/>
+          </a:xfrm>
+          <a:prstGeom prst="rect">
+            <a:avLst/>
+          </a:prstGeom>
+        </p:spPr>
+      </p:pic>
+      <p:sp>
+        <p:nvSpPr>
+          <p:cNvPr id="99" name="직사각형 98"/>
+          <p:cNvSpPr/>
+          <p:nvPr/>
+        </p:nvSpPr>
+        <p:spPr>
+          <a:xfrm>
+            <a:off x="7213135" y="1347457"/>
+            <a:ext cx="958362" cy="958362"/>
+          </a:xfrm>
+          <a:prstGeom prst="rect">
+            <a:avLst/>
+          </a:prstGeom>
+          <a:noFill/>
+        </p:spPr>
+        <p:style>
+          <a:lnRef idx="2">
+            <a:schemeClr val="accent1">
+              <a:shade val="50000"/>
+            </a:schemeClr>
+          </a:lnRef>
+          <a:fillRef idx="1">
+            <a:schemeClr val="accent1"/>
+          </a:fillRef>
+          <a:effectRef idx="0">
+            <a:schemeClr val="accent1"/>
+          </a:effectRef>
+          <a:fontRef idx="minor">
+            <a:schemeClr val="lt1"/>
+          </a:fontRef>
+        </p:style>
+        <p:txBody>
+          <a:bodyPr rtlCol="0" anchor="ctr"/>
+          <a:lstStyle/>
+          <a:p>
+            <a:pPr algn="ctr"/>
+            <a:endParaRPr lang="ko-KR" altLang="en-US"/>
+          </a:p>
+        </p:txBody>
+      </p:sp>
+      <p:pic>
+        <p:nvPicPr>
+          <p:cNvPr id="100" name="그림 99"/>
+          <p:cNvPicPr>
+            <a:picLocks noChangeAspect="1"/>
+          </p:cNvPicPr>
+          <p:nvPr/>
+        </p:nvPicPr>
+        <p:blipFill>
+          <a:blip r:embed="rId17">
+            <a:extLst>
+              <a:ext uri="{28A0092B-C50C-407E-A947-70E740481C1C}">
+                <a14:useLocalDpi xmlns:a14="http://schemas.microsoft.com/office/drawing/2010/main" val="0"/>
+              </a:ext>
+            </a:extLst>
+          </a:blip>
+          <a:stretch>
+            <a:fillRect/>
+          </a:stretch>
+        </p:blipFill>
+        <p:spPr>
+          <a:xfrm>
+            <a:off x="7290272" y="1580402"/>
+            <a:ext cx="609600" cy="609600"/>
+          </a:xfrm>
+          <a:prstGeom prst="rect">
+            <a:avLst/>
+          </a:prstGeom>
+        </p:spPr>
+      </p:pic>
+      <p:sp>
+        <p:nvSpPr>
+          <p:cNvPr id="102" name="직사각형 101"/>
+          <p:cNvSpPr/>
+          <p:nvPr/>
+        </p:nvSpPr>
+        <p:spPr>
+          <a:xfrm>
+            <a:off x="8374706" y="1347457"/>
+            <a:ext cx="958362" cy="958362"/>
+          </a:xfrm>
+          <a:prstGeom prst="rect">
+            <a:avLst/>
+          </a:prstGeom>
+          <a:noFill/>
+        </p:spPr>
+        <p:style>
+          <a:lnRef idx="2">
+            <a:schemeClr val="accent1">
+              <a:shade val="50000"/>
+            </a:schemeClr>
+          </a:lnRef>
+          <a:fillRef idx="1">
+            <a:schemeClr val="accent1"/>
+          </a:fillRef>
+          <a:effectRef idx="0">
+            <a:schemeClr val="accent1"/>
+          </a:effectRef>
+          <a:fontRef idx="minor">
+            <a:schemeClr val="lt1"/>
+          </a:fontRef>
+        </p:style>
+        <p:txBody>
+          <a:bodyPr rtlCol="0" anchor="ctr"/>
+          <a:lstStyle/>
+          <a:p>
+            <a:pPr algn="ctr"/>
+            <a:endParaRPr lang="ko-KR" altLang="en-US"/>
+          </a:p>
+        </p:txBody>
+      </p:sp>
+      <p:pic>
+        <p:nvPicPr>
+          <p:cNvPr id="103" name="그림 102"/>
+          <p:cNvPicPr>
+            <a:picLocks noChangeAspect="1"/>
+          </p:cNvPicPr>
+          <p:nvPr/>
+        </p:nvPicPr>
+        <p:blipFill>
+          <a:blip r:embed="rId17">
+            <a:extLst>
+              <a:ext uri="{28A0092B-C50C-407E-A947-70E740481C1C}">
+                <a14:useLocalDpi xmlns:a14="http://schemas.microsoft.com/office/drawing/2010/main" val="0"/>
+              </a:ext>
+            </a:extLst>
+          </a:blip>
+          <a:stretch>
+            <a:fillRect/>
+          </a:stretch>
+        </p:blipFill>
+        <p:spPr>
+          <a:xfrm>
+            <a:off x="8451843" y="1580402"/>
+            <a:ext cx="609600" cy="609600"/>
+          </a:xfrm>
+          <a:prstGeom prst="rect">
+            <a:avLst/>
+          </a:prstGeom>
+        </p:spPr>
+      </p:pic>
+      <p:pic>
+        <p:nvPicPr>
+          <p:cNvPr id="23" name="그림 22"/>
+          <p:cNvPicPr>
+            <a:picLocks noChangeAspect="1"/>
+          </p:cNvPicPr>
+          <p:nvPr/>
+        </p:nvPicPr>
+        <p:blipFill>
+          <a:blip r:embed="rId19">
+            <a:extLst>
+              <a:ext uri="{28A0092B-C50C-407E-A947-70E740481C1C}">
+                <a14:useLocalDpi xmlns:a14="http://schemas.microsoft.com/office/drawing/2010/main" val="0"/>
+              </a:ext>
+            </a:extLst>
+          </a:blip>
+          <a:stretch>
+            <a:fillRect/>
+          </a:stretch>
+        </p:blipFill>
+        <p:spPr>
+          <a:xfrm>
+            <a:off x="7792583" y="1497148"/>
+            <a:ext cx="266054" cy="266054"/>
+          </a:xfrm>
+          <a:prstGeom prst="rect">
+            <a:avLst/>
+          </a:prstGeom>
+        </p:spPr>
+      </p:pic>
+      <p:pic>
+        <p:nvPicPr>
+          <p:cNvPr id="31" name="그림 30"/>
+          <p:cNvPicPr>
+            <a:picLocks noChangeAspect="1"/>
+          </p:cNvPicPr>
+          <p:nvPr/>
+        </p:nvPicPr>
+        <p:blipFill>
+          <a:blip r:embed="rId20">
+            <a:extLst>
+              <a:ext uri="{28A0092B-C50C-407E-A947-70E740481C1C}">
+                <a14:useLocalDpi xmlns:a14="http://schemas.microsoft.com/office/drawing/2010/main" val="0"/>
+              </a:ext>
+            </a:extLst>
+          </a:blip>
+          <a:stretch>
+            <a:fillRect/>
+          </a:stretch>
+        </p:blipFill>
+        <p:spPr>
+          <a:xfrm>
+            <a:off x="8953003" y="1504202"/>
+            <a:ext cx="267792" cy="267792"/>
+          </a:xfrm>
+          <a:prstGeom prst="rect">
+            <a:avLst/>
+          </a:prstGeom>
+        </p:spPr>
+      </p:pic>
+      <p:cxnSp>
+        <p:nvCxnSpPr>
+          <p:cNvPr id="38" name="꺾인 연결선 37"/>
+          <p:cNvCxnSpPr>
+            <a:stCxn id="14" idx="3"/>
+            <a:endCxn id="21" idx="3"/>
+          </p:cNvCxnSpPr>
+          <p:nvPr/>
+        </p:nvCxnSpPr>
+        <p:spPr>
+          <a:xfrm flipV="1">
+            <a:off x="6738301" y="1607069"/>
+            <a:ext cx="164925" cy="278133"/>
+          </a:xfrm>
+          <a:prstGeom prst="bentConnector3">
+            <a:avLst>
+              <a:gd name="adj1" fmla="val 131985"/>
+            </a:avLst>
+          </a:prstGeom>
+          <a:ln w="28575">
+            <a:solidFill>
+              <a:srgbClr val="002060"/>
+            </a:solidFill>
+          </a:ln>
+        </p:spPr>
+        <p:style>
+          <a:lnRef idx="1">
+            <a:schemeClr val="accent1"/>
+          </a:lnRef>
+          <a:fillRef idx="0">
+            <a:schemeClr val="accent1"/>
+          </a:fillRef>
+          <a:effectRef idx="0">
+            <a:schemeClr val="accent1"/>
+          </a:effectRef>
+          <a:fontRef idx="minor">
+            <a:schemeClr val="tx1"/>
+          </a:fontRef>
+        </p:style>
+      </p:cxnSp>
+      <p:cxnSp>
+        <p:nvCxnSpPr>
+          <p:cNvPr id="105" name="꺾인 연결선 104"/>
+          <p:cNvCxnSpPr/>
+          <p:nvPr/>
+        </p:nvCxnSpPr>
+        <p:spPr>
+          <a:xfrm flipV="1">
+            <a:off x="7896792" y="1607069"/>
+            <a:ext cx="164925" cy="278133"/>
+          </a:xfrm>
+          <a:prstGeom prst="bentConnector3">
+            <a:avLst>
+              <a:gd name="adj1" fmla="val 131985"/>
+            </a:avLst>
+          </a:prstGeom>
+          <a:ln w="28575">
+            <a:solidFill>
+              <a:srgbClr val="002060"/>
+            </a:solidFill>
+          </a:ln>
+        </p:spPr>
+        <p:style>
+          <a:lnRef idx="1">
+            <a:schemeClr val="accent1"/>
+          </a:lnRef>
+          <a:fillRef idx="0">
+            <a:schemeClr val="accent1"/>
+          </a:fillRef>
+          <a:effectRef idx="0">
+            <a:schemeClr val="accent1"/>
+          </a:effectRef>
+          <a:fontRef idx="minor">
+            <a:schemeClr val="tx1"/>
+          </a:fontRef>
+        </p:style>
+      </p:cxnSp>
+      <p:cxnSp>
+        <p:nvCxnSpPr>
+          <p:cNvPr id="108" name="꺾인 연결선 107"/>
+          <p:cNvCxnSpPr/>
+          <p:nvPr/>
+        </p:nvCxnSpPr>
+        <p:spPr>
+          <a:xfrm flipV="1">
+            <a:off x="9060754" y="1607069"/>
+            <a:ext cx="164925" cy="278133"/>
+          </a:xfrm>
+          <a:prstGeom prst="bentConnector3">
+            <a:avLst>
+              <a:gd name="adj1" fmla="val 131985"/>
+            </a:avLst>
+          </a:prstGeom>
+          <a:ln w="28575">
+            <a:solidFill>
+              <a:srgbClr val="002060"/>
+            </a:solidFill>
+          </a:ln>
+        </p:spPr>
+        <p:style>
+          <a:lnRef idx="1">
+            <a:schemeClr val="accent1"/>
+          </a:lnRef>
+          <a:fillRef idx="0">
+            <a:schemeClr val="accent1"/>
+          </a:fillRef>
+          <a:effectRef idx="0">
+            <a:schemeClr val="accent1"/>
+          </a:effectRef>
+          <a:fontRef idx="minor">
+            <a:schemeClr val="tx1"/>
+          </a:fontRef>
+        </p:style>
+      </p:cxnSp>
+      <p:sp>
+        <p:nvSpPr>
+          <p:cNvPr id="86" name="직사각형 85"/>
+          <p:cNvSpPr/>
+          <p:nvPr/>
+        </p:nvSpPr>
+        <p:spPr>
+          <a:xfrm>
+            <a:off x="9475892" y="1347457"/>
+            <a:ext cx="958362" cy="958362"/>
+          </a:xfrm>
+          <a:prstGeom prst="rect">
+            <a:avLst/>
+          </a:prstGeom>
+          <a:noFill/>
+        </p:spPr>
+        <p:style>
+          <a:lnRef idx="2">
+            <a:schemeClr val="accent1">
+              <a:shade val="50000"/>
+            </a:schemeClr>
+          </a:lnRef>
+          <a:fillRef idx="1">
+            <a:schemeClr val="accent1"/>
+          </a:fillRef>
+          <a:effectRef idx="0">
+            <a:schemeClr val="accent1"/>
+          </a:effectRef>
+          <a:fontRef idx="minor">
+            <a:schemeClr val="lt1"/>
+          </a:fontRef>
+        </p:style>
+        <p:txBody>
+          <a:bodyPr rtlCol="0" anchor="ctr"/>
+          <a:lstStyle/>
+          <a:p>
+            <a:pPr algn="ctr"/>
+            <a:endParaRPr lang="ko-KR" altLang="en-US"/>
+          </a:p>
+        </p:txBody>
+      </p:sp>
+      <p:pic>
+        <p:nvPicPr>
+          <p:cNvPr id="87" name="그림 86"/>
+          <p:cNvPicPr>
+            <a:picLocks noChangeAspect="1"/>
+          </p:cNvPicPr>
+          <p:nvPr/>
+        </p:nvPicPr>
+        <p:blipFill>
+          <a:blip r:embed="rId21">
+            <a:extLst>
+              <a:ext uri="{BEBA8EAE-BF5A-486C-A8C5-ECC9F3942E4B}">
+                <a14:imgProps xmlns:a14="http://schemas.microsoft.com/office/drawing/2010/main">
+                  <a14:imgLayer r:embed="rId22">
+                    <a14:imgEffect>
+                      <a14:sharpenSoften amount="-4000"/>
+                    </a14:imgEffect>
+                    <a14:imgEffect>
+                      <a14:brightnessContrast bright="-32000" contrast="-61000"/>
+                    </a14:imgEffect>
+                  </a14:imgLayer>
+                </a14:imgProps>
+              </a:ext>
+              <a:ext uri="{28A0092B-C50C-407E-A947-70E740481C1C}">
+                <a14:useLocalDpi xmlns:a14="http://schemas.microsoft.com/office/drawing/2010/main" val="0"/>
+              </a:ext>
+            </a:extLst>
+          </a:blip>
+          <a:stretch>
+            <a:fillRect/>
+          </a:stretch>
+        </p:blipFill>
+        <p:spPr>
+          <a:xfrm>
+            <a:off x="9545753" y="1454614"/>
+            <a:ext cx="441829" cy="441829"/>
+          </a:xfrm>
+          <a:prstGeom prst="rect">
+            <a:avLst/>
+          </a:prstGeom>
+        </p:spPr>
+      </p:pic>
+      <p:pic>
+        <p:nvPicPr>
+          <p:cNvPr id="24" name="그림 23"/>
+          <p:cNvPicPr>
+            <a:picLocks noChangeAspect="1"/>
+          </p:cNvPicPr>
+          <p:nvPr/>
+        </p:nvPicPr>
+        <p:blipFill>
+          <a:blip r:embed="rId23">
+            <a:extLst>
+              <a:ext uri="{28A0092B-C50C-407E-A947-70E740481C1C}">
+                <a14:useLocalDpi xmlns:a14="http://schemas.microsoft.com/office/drawing/2010/main" val="0"/>
+              </a:ext>
+            </a:extLst>
+          </a:blip>
+          <a:stretch>
+            <a:fillRect/>
+          </a:stretch>
+        </p:blipFill>
+        <p:spPr>
+          <a:xfrm>
+            <a:off x="10071797" y="1442309"/>
+            <a:ext cx="295224" cy="295224"/>
+          </a:xfrm>
+          <a:prstGeom prst="rect">
+            <a:avLst/>
+          </a:prstGeom>
+        </p:spPr>
+      </p:pic>
+      <p:pic>
+        <p:nvPicPr>
+          <p:cNvPr id="91" name="그림 90"/>
+          <p:cNvPicPr>
+            <a:picLocks noChangeAspect="1"/>
+          </p:cNvPicPr>
+          <p:nvPr/>
+        </p:nvPicPr>
+        <p:blipFill>
+          <a:blip r:embed="rId17">
+            <a:extLst>
+              <a:ext uri="{28A0092B-C50C-407E-A947-70E740481C1C}">
+                <a14:useLocalDpi xmlns:a14="http://schemas.microsoft.com/office/drawing/2010/main" val="0"/>
+              </a:ext>
+            </a:extLst>
+          </a:blip>
+          <a:stretch>
+            <a:fillRect/>
+          </a:stretch>
+        </p:blipFill>
+        <p:spPr>
+          <a:xfrm>
+            <a:off x="9934717" y="1767811"/>
+            <a:ext cx="441829" cy="441829"/>
+          </a:xfrm>
+          <a:prstGeom prst="rect">
+            <a:avLst/>
+          </a:prstGeom>
+        </p:spPr>
+      </p:pic>
+      <p:sp>
+        <p:nvSpPr>
+          <p:cNvPr id="94" name="직사각형 93"/>
+          <p:cNvSpPr/>
+          <p:nvPr/>
+        </p:nvSpPr>
+        <p:spPr>
+          <a:xfrm>
+            <a:off x="276957" y="2499949"/>
+            <a:ext cx="958362" cy="958362"/>
+          </a:xfrm>
+          <a:prstGeom prst="rect">
+            <a:avLst/>
+          </a:prstGeom>
+          <a:noFill/>
+        </p:spPr>
+        <p:style>
+          <a:lnRef idx="2">
+            <a:schemeClr val="accent1">
+              <a:shade val="50000"/>
+            </a:schemeClr>
+          </a:lnRef>
+          <a:fillRef idx="1">
+            <a:schemeClr val="accent1"/>
+          </a:fillRef>
+          <a:effectRef idx="0">
+            <a:schemeClr val="accent1"/>
+          </a:effectRef>
+          <a:fontRef idx="minor">
+            <a:schemeClr val="lt1"/>
+          </a:fontRef>
+        </p:style>
+        <p:txBody>
+          <a:bodyPr rtlCol="0" anchor="ctr"/>
+          <a:lstStyle/>
+          <a:p>
+            <a:pPr algn="ctr"/>
+            <a:endParaRPr lang="ko-KR" altLang="en-US"/>
+          </a:p>
+        </p:txBody>
+      </p:sp>
+      <p:sp>
+        <p:nvSpPr>
+          <p:cNvPr id="63" name="TextBox 62"/>
+          <p:cNvSpPr txBox="1"/>
+          <p:nvPr/>
+        </p:nvSpPr>
+        <p:spPr>
+          <a:xfrm>
+            <a:off x="371491" y="2520512"/>
+            <a:ext cx="712143" cy="461665"/>
+          </a:xfrm>
+          <a:prstGeom prst="rect">
+            <a:avLst/>
+          </a:prstGeom>
+          <a:noFill/>
+        </p:spPr>
+        <p:txBody>
+          <a:bodyPr wrap="square" rtlCol="0">
+            <a:spAutoFit/>
+          </a:bodyPr>
+          <a:lstStyle/>
+          <a:p>
+            <a:r>
+              <a:rPr lang="en-US" altLang="ko-KR" sz="2400" b="1" dirty="0" smtClean="0">
+                <a:solidFill>
+                  <a:srgbClr val="0070C0"/>
+                </a:solidFill>
+              </a:rPr>
+              <a:t>L</a:t>
+            </a:r>
+            <a:endParaRPr lang="ko-KR" altLang="en-US" sz="2400" b="1" dirty="0">
+              <a:solidFill>
+                <a:srgbClr val="0070C0"/>
+              </a:solidFill>
+            </a:endParaRPr>
+          </a:p>
+        </p:txBody>
+      </p:sp>
+      <p:sp>
+        <p:nvSpPr>
+          <p:cNvPr id="97" name="직사각형 96"/>
+          <p:cNvSpPr/>
+          <p:nvPr/>
+        </p:nvSpPr>
+        <p:spPr>
+          <a:xfrm>
+            <a:off x="1440533" y="2499949"/>
+            <a:ext cx="958362" cy="958362"/>
+          </a:xfrm>
+          <a:prstGeom prst="rect">
+            <a:avLst/>
+          </a:prstGeom>
+          <a:noFill/>
+        </p:spPr>
+        <p:style>
+          <a:lnRef idx="2">
+            <a:schemeClr val="accent1">
+              <a:shade val="50000"/>
+            </a:schemeClr>
+          </a:lnRef>
+          <a:fillRef idx="1">
+            <a:schemeClr val="accent1"/>
+          </a:fillRef>
+          <a:effectRef idx="0">
+            <a:schemeClr val="accent1"/>
+          </a:effectRef>
+          <a:fontRef idx="minor">
+            <a:schemeClr val="lt1"/>
+          </a:fontRef>
+        </p:style>
+        <p:txBody>
+          <a:bodyPr rtlCol="0" anchor="ctr"/>
+          <a:lstStyle/>
+          <a:p>
+            <a:pPr algn="ctr"/>
+            <a:endParaRPr lang="ko-KR" altLang="en-US"/>
+          </a:p>
+        </p:txBody>
+      </p:sp>
+      <p:sp>
+        <p:nvSpPr>
+          <p:cNvPr id="101" name="TextBox 100"/>
+          <p:cNvSpPr txBox="1"/>
+          <p:nvPr/>
+        </p:nvSpPr>
+        <p:spPr>
+          <a:xfrm>
+            <a:off x="1535067" y="2520512"/>
+            <a:ext cx="712143" cy="461665"/>
+          </a:xfrm>
+          <a:prstGeom prst="rect">
+            <a:avLst/>
+          </a:prstGeom>
+          <a:noFill/>
+        </p:spPr>
+        <p:txBody>
+          <a:bodyPr wrap="square" rtlCol="0">
+            <a:spAutoFit/>
+          </a:bodyPr>
+          <a:lstStyle/>
+          <a:p>
+            <a:r>
+              <a:rPr lang="en-US" altLang="ko-KR" sz="2400" b="1" dirty="0" smtClean="0">
+                <a:solidFill>
+                  <a:srgbClr val="0070C0"/>
+                </a:solidFill>
+              </a:rPr>
+              <a:t>L</a:t>
+            </a:r>
+            <a:endParaRPr lang="ko-KR" altLang="en-US" sz="2400" b="1" dirty="0">
+              <a:solidFill>
+                <a:srgbClr val="0070C0"/>
+              </a:solidFill>
+            </a:endParaRPr>
+          </a:p>
+        </p:txBody>
+      </p:sp>
+      <p:sp>
+        <p:nvSpPr>
+          <p:cNvPr id="114" name="TextBox 113"/>
+          <p:cNvSpPr txBox="1"/>
+          <p:nvPr/>
+        </p:nvSpPr>
+        <p:spPr>
+          <a:xfrm>
+            <a:off x="1985672" y="2520512"/>
+            <a:ext cx="712143" cy="461665"/>
+          </a:xfrm>
+          <a:prstGeom prst="rect">
+            <a:avLst/>
+          </a:prstGeom>
+          <a:noFill/>
+        </p:spPr>
+        <p:txBody>
+          <a:bodyPr wrap="square" rtlCol="0">
+            <a:spAutoFit/>
+          </a:bodyPr>
+          <a:lstStyle/>
+          <a:p>
+            <a:r>
+              <a:rPr lang="en-US" altLang="ko-KR" sz="2400" b="1" dirty="0" smtClean="0">
+                <a:solidFill>
+                  <a:srgbClr val="FF0000"/>
+                </a:solidFill>
+              </a:rPr>
+              <a:t>F</a:t>
+            </a:r>
+            <a:endParaRPr lang="ko-KR" altLang="en-US" sz="2400" b="1" dirty="0">
+              <a:solidFill>
+                <a:srgbClr val="FF0000"/>
+              </a:solidFill>
+            </a:endParaRPr>
+          </a:p>
+        </p:txBody>
+      </p:sp>
+      <p:sp>
+        <p:nvSpPr>
+          <p:cNvPr id="117" name="직사각형 116"/>
+          <p:cNvSpPr/>
+          <p:nvPr/>
+        </p:nvSpPr>
+        <p:spPr>
+          <a:xfrm>
+            <a:off x="2582551" y="2499949"/>
+            <a:ext cx="958362" cy="958362"/>
+          </a:xfrm>
+          <a:prstGeom prst="rect">
+            <a:avLst/>
+          </a:prstGeom>
+          <a:noFill/>
+        </p:spPr>
+        <p:style>
+          <a:lnRef idx="2">
+            <a:schemeClr val="accent1">
+              <a:shade val="50000"/>
+            </a:schemeClr>
+          </a:lnRef>
+          <a:fillRef idx="1">
+            <a:schemeClr val="accent1"/>
+          </a:fillRef>
+          <a:effectRef idx="0">
+            <a:schemeClr val="accent1"/>
+          </a:effectRef>
+          <a:fontRef idx="minor">
+            <a:schemeClr val="lt1"/>
+          </a:fontRef>
+        </p:style>
+        <p:txBody>
+          <a:bodyPr rtlCol="0" anchor="ctr"/>
+          <a:lstStyle/>
+          <a:p>
+            <a:pPr algn="ctr"/>
+            <a:endParaRPr lang="ko-KR" altLang="en-US"/>
+          </a:p>
+        </p:txBody>
+      </p:sp>
+      <p:sp>
+        <p:nvSpPr>
+          <p:cNvPr id="121" name="TextBox 120"/>
+          <p:cNvSpPr txBox="1"/>
+          <p:nvPr/>
+        </p:nvSpPr>
+        <p:spPr>
+          <a:xfrm>
+            <a:off x="3127690" y="2520512"/>
+            <a:ext cx="712143" cy="461665"/>
+          </a:xfrm>
+          <a:prstGeom prst="rect">
+            <a:avLst/>
+          </a:prstGeom>
+          <a:noFill/>
+        </p:spPr>
+        <p:txBody>
+          <a:bodyPr wrap="square" rtlCol="0">
+            <a:spAutoFit/>
+          </a:bodyPr>
+          <a:lstStyle/>
+          <a:p>
+            <a:r>
+              <a:rPr lang="en-US" altLang="ko-KR" sz="2400" b="1" dirty="0" smtClean="0">
+                <a:solidFill>
+                  <a:srgbClr val="FF0000"/>
+                </a:solidFill>
+              </a:rPr>
+              <a:t>F</a:t>
+            </a:r>
+            <a:endParaRPr lang="ko-KR" altLang="en-US" sz="2400" b="1" dirty="0">
+              <a:solidFill>
+                <a:srgbClr val="FF0000"/>
+              </a:solidFill>
+            </a:endParaRPr>
+          </a:p>
+        </p:txBody>
+      </p:sp>
     </p:spTree>
     <p:extLst>
       <p:ext uri="{BB962C8B-B14F-4D97-AF65-F5344CB8AC3E}">
